--- a/homework/HW4/Homework4_12032189_LiuYuxi.pptx
+++ b/homework/HW4/Homework4_12032189_LiuYuxi.pptx
@@ -204,7 +204,7 @@
           <a:p>
             <a:fld id="{64E48133-5521-4410-A078-A4E3FC8E8478}" type="datetimeFigureOut">
               <a:rPr lang="zh-CN" altLang="en-US" smtClean="0"/>
-              <a:t>2020/10/13</a:t>
+              <a:t>2020/10/14</a:t>
             </a:fld>
             <a:endParaRPr lang="zh-CN" altLang="en-US"/>
           </a:p>
@@ -618,7 +618,7 @@
           <a:p>
             <a:fld id="{23807FF7-5135-4415-9EBF-85A0F228A2DD}" type="datetimeFigureOut">
               <a:rPr lang="zh-CN" altLang="en-US" smtClean="0"/>
-              <a:t>2020/10/13</a:t>
+              <a:t>2020/10/14</a:t>
             </a:fld>
             <a:endParaRPr lang="zh-CN" altLang="en-US"/>
           </a:p>
@@ -816,7 +816,7 @@
           <a:p>
             <a:fld id="{23807FF7-5135-4415-9EBF-85A0F228A2DD}" type="datetimeFigureOut">
               <a:rPr lang="zh-CN" altLang="en-US" smtClean="0"/>
-              <a:t>2020/10/13</a:t>
+              <a:t>2020/10/14</a:t>
             </a:fld>
             <a:endParaRPr lang="zh-CN" altLang="en-US"/>
           </a:p>
@@ -1024,7 +1024,7 @@
           <a:p>
             <a:fld id="{23807FF7-5135-4415-9EBF-85A0F228A2DD}" type="datetimeFigureOut">
               <a:rPr lang="zh-CN" altLang="en-US" smtClean="0"/>
-              <a:t>2020/10/13</a:t>
+              <a:t>2020/10/14</a:t>
             </a:fld>
             <a:endParaRPr lang="zh-CN" altLang="en-US"/>
           </a:p>
@@ -1222,7 +1222,7 @@
           <a:p>
             <a:fld id="{23807FF7-5135-4415-9EBF-85A0F228A2DD}" type="datetimeFigureOut">
               <a:rPr lang="zh-CN" altLang="en-US" smtClean="0"/>
-              <a:t>2020/10/13</a:t>
+              <a:t>2020/10/14</a:t>
             </a:fld>
             <a:endParaRPr lang="zh-CN" altLang="en-US"/>
           </a:p>
@@ -1497,7 +1497,7 @@
           <a:p>
             <a:fld id="{23807FF7-5135-4415-9EBF-85A0F228A2DD}" type="datetimeFigureOut">
               <a:rPr lang="zh-CN" altLang="en-US" smtClean="0"/>
-              <a:t>2020/10/13</a:t>
+              <a:t>2020/10/14</a:t>
             </a:fld>
             <a:endParaRPr lang="zh-CN" altLang="en-US"/>
           </a:p>
@@ -1762,7 +1762,7 @@
           <a:p>
             <a:fld id="{23807FF7-5135-4415-9EBF-85A0F228A2DD}" type="datetimeFigureOut">
               <a:rPr lang="zh-CN" altLang="en-US" smtClean="0"/>
-              <a:t>2020/10/13</a:t>
+              <a:t>2020/10/14</a:t>
             </a:fld>
             <a:endParaRPr lang="zh-CN" altLang="en-US"/>
           </a:p>
@@ -2174,7 +2174,7 @@
           <a:p>
             <a:fld id="{23807FF7-5135-4415-9EBF-85A0F228A2DD}" type="datetimeFigureOut">
               <a:rPr lang="zh-CN" altLang="en-US" smtClean="0"/>
-              <a:t>2020/10/13</a:t>
+              <a:t>2020/10/14</a:t>
             </a:fld>
             <a:endParaRPr lang="zh-CN" altLang="en-US"/>
           </a:p>
@@ -2315,7 +2315,7 @@
           <a:p>
             <a:fld id="{23807FF7-5135-4415-9EBF-85A0F228A2DD}" type="datetimeFigureOut">
               <a:rPr lang="zh-CN" altLang="en-US" smtClean="0"/>
-              <a:t>2020/10/13</a:t>
+              <a:t>2020/10/14</a:t>
             </a:fld>
             <a:endParaRPr lang="zh-CN" altLang="en-US"/>
           </a:p>
@@ -2428,7 +2428,7 @@
           <a:p>
             <a:fld id="{23807FF7-5135-4415-9EBF-85A0F228A2DD}" type="datetimeFigureOut">
               <a:rPr lang="zh-CN" altLang="en-US" smtClean="0"/>
-              <a:t>2020/10/13</a:t>
+              <a:t>2020/10/14</a:t>
             </a:fld>
             <a:endParaRPr lang="zh-CN" altLang="en-US"/>
           </a:p>
@@ -2739,7 +2739,7 @@
           <a:p>
             <a:fld id="{23807FF7-5135-4415-9EBF-85A0F228A2DD}" type="datetimeFigureOut">
               <a:rPr lang="zh-CN" altLang="en-US" smtClean="0"/>
-              <a:t>2020/10/13</a:t>
+              <a:t>2020/10/14</a:t>
             </a:fld>
             <a:endParaRPr lang="zh-CN" altLang="en-US"/>
           </a:p>
@@ -3027,7 +3027,7 @@
           <a:p>
             <a:fld id="{23807FF7-5135-4415-9EBF-85A0F228A2DD}" type="datetimeFigureOut">
               <a:rPr lang="zh-CN" altLang="en-US" smtClean="0"/>
-              <a:t>2020/10/13</a:t>
+              <a:t>2020/10/14</a:t>
             </a:fld>
             <a:endParaRPr lang="zh-CN" altLang="en-US"/>
           </a:p>
@@ -3268,7 +3268,7 @@
           <a:p>
             <a:fld id="{23807FF7-5135-4415-9EBF-85A0F228A2DD}" type="datetimeFigureOut">
               <a:rPr lang="zh-CN" altLang="en-US" smtClean="0"/>
-              <a:t>2020/10/13</a:t>
+              <a:t>2020/10/14</a:t>
             </a:fld>
             <a:endParaRPr lang="zh-CN" altLang="en-US"/>
           </a:p>
@@ -4001,8 +4001,8 @@
           </a:p>
         </p:txBody>
       </p:sp>
-      <mc:AlternateContent xmlns:mc="http://schemas.openxmlformats.org/markup-compatibility/2006" xmlns:a14="http://schemas.microsoft.com/office/drawing/2010/main">
-        <mc:Choice Requires="a14">
+      <mc:AlternateContent xmlns:mc="http://schemas.openxmlformats.org/markup-compatibility/2006">
+        <mc:Choice xmlns:a14="http://schemas.microsoft.com/office/drawing/2010/main" Requires="a14">
           <p:sp>
             <p:nvSpPr>
               <p:cNvPr id="2" name="文本框 1">
@@ -4017,8 +4017,8 @@
             </p:nvSpPr>
             <p:spPr>
               <a:xfrm>
-                <a:off x="6346085" y="2269482"/>
-                <a:ext cx="3781887" cy="780470"/>
+                <a:off x="6800548" y="4070905"/>
+                <a:ext cx="3781887" cy="849079"/>
               </a:xfrm>
               <a:prstGeom prst="rect">
                 <a:avLst/>
@@ -4039,15 +4039,21 @@
                     </m:oMathParaPr>
                     <m:oMath xmlns:m="http://schemas.openxmlformats.org/officeDocument/2006/math">
                       <m:r>
-                        <a:rPr lang="en-US" altLang="zh-CN" sz="4000" b="0" i="1" smtClean="0">
+                        <a:rPr lang="en-US" altLang="zh-CN" sz="4400" b="1" i="1" smtClean="0">
+                          <a:solidFill>
+                            <a:srgbClr val="FF0000"/>
+                          </a:solidFill>
                           <a:latin typeface="Cambria Math" panose="02040503050406030204" pitchFamily="18" charset="0"/>
                         </a:rPr>
-                        <m:t>𝑟</m:t>
+                        <m:t>𝒓</m:t>
                       </m:r>
                       <m:d>
                         <m:dPr>
                           <m:ctrlPr>
-                            <a:rPr lang="en-US" altLang="zh-CN" sz="4000" b="0" i="1" smtClean="0">
+                            <a:rPr lang="en-US" altLang="zh-CN" sz="4400" b="1" i="1" smtClean="0">
+                              <a:solidFill>
+                                <a:srgbClr val="FF0000"/>
+                              </a:solidFill>
                               <a:latin typeface="Cambria Math" panose="02040503050406030204" pitchFamily="18" charset="0"/>
                             </a:rPr>
                           </m:ctrlPr>
@@ -4056,25 +4062,31 @@
                           <m:sSup>
                             <m:sSupPr>
                               <m:ctrlPr>
-                                <a:rPr lang="en-US" altLang="zh-CN" sz="4000" i="1">
+                                <a:rPr lang="en-US" altLang="zh-CN" sz="4400" b="1" i="1">
+                                  <a:solidFill>
+                                    <a:srgbClr val="FF0000"/>
+                                  </a:solidFill>
                                   <a:latin typeface="Cambria Math" panose="02040503050406030204" pitchFamily="18" charset="0"/>
                                 </a:rPr>
                               </m:ctrlPr>
                             </m:sSupPr>
                             <m:e>
                               <m:r>
-                                <m:rPr>
-                                  <m:sty m:val="p"/>
-                                </m:rPr>
-                                <a:rPr lang="en-US" altLang="zh-CN" sz="4000" i="1">
+                                <a:rPr lang="en-US" altLang="zh-CN" sz="4400" b="1" i="1">
+                                  <a:solidFill>
+                                    <a:srgbClr val="FF0000"/>
+                                  </a:solidFill>
                                   <a:latin typeface="Cambria Math" panose="02040503050406030204" pitchFamily="18" charset="0"/>
                                 </a:rPr>
-                                <m:t>C</m:t>
+                                <m:t>𝑪</m:t>
                               </m:r>
                             </m:e>
                             <m:sup>
                               <m:r>
-                                <a:rPr lang="zh-CN" altLang="en-US" sz="4000" i="1">
+                                <a:rPr lang="zh-CN" altLang="en-US" sz="4400" b="1" i="1">
+                                  <a:solidFill>
+                                    <a:srgbClr val="FF0000"/>
+                                  </a:solidFill>
                                   <a:latin typeface="Cambria Math" panose="02040503050406030204" pitchFamily="18" charset="0"/>
                                 </a:rPr>
                                 <m:t>∗</m:t>
@@ -4084,7 +4096,10 @@
                         </m:e>
                       </m:d>
                       <m:r>
-                        <a:rPr lang="en-US" altLang="zh-CN" sz="4000" b="0" i="1" smtClean="0">
+                        <a:rPr lang="en-US" altLang="zh-CN" sz="4400" b="1" i="1" smtClean="0">
+                          <a:solidFill>
+                            <a:srgbClr val="FF0000"/>
+                          </a:solidFill>
                           <a:latin typeface="Cambria Math" panose="02040503050406030204" pitchFamily="18" charset="0"/>
                         </a:rPr>
                         <m:t>=</m:t>
@@ -4093,7 +4108,10 @@
                         <m:radPr>
                           <m:degHide m:val="on"/>
                           <m:ctrlPr>
-                            <a:rPr lang="en-US" altLang="zh-CN" sz="4000" b="0" i="1" smtClean="0">
+                            <a:rPr lang="en-US" altLang="zh-CN" sz="4400" b="1" i="1" smtClean="0">
+                              <a:solidFill>
+                                <a:srgbClr val="FF0000"/>
+                              </a:solidFill>
                               <a:latin typeface="Cambria Math" panose="02040503050406030204" pitchFamily="18" charset="0"/>
                             </a:rPr>
                           </m:ctrlPr>
@@ -4101,22 +4119,29 @@
                         <m:deg/>
                         <m:e>
                           <m:r>
-                            <a:rPr lang="en-US" altLang="zh-CN" sz="4000" b="0" i="1" smtClean="0">
+                            <a:rPr lang="en-US" altLang="zh-CN" sz="4400" b="1" i="1" smtClean="0">
+                              <a:solidFill>
+                                <a:srgbClr val="FF0000"/>
+                              </a:solidFill>
                               <a:latin typeface="Cambria Math" panose="02040503050406030204" pitchFamily="18" charset="0"/>
                             </a:rPr>
-                            <m:t>2</m:t>
+                            <m:t>𝟐</m:t>
                           </m:r>
                         </m:e>
                       </m:rad>
                     </m:oMath>
                   </m:oMathPara>
                 </a14:m>
-                <a:endParaRPr lang="zh-CN" altLang="en-US" sz="4000" dirty="0"/>
+                <a:endParaRPr lang="zh-CN" altLang="en-US" sz="4400" b="1" dirty="0">
+                  <a:solidFill>
+                    <a:srgbClr val="FF0000"/>
+                  </a:solidFill>
+                </a:endParaRPr>
               </a:p>
             </p:txBody>
           </p:sp>
         </mc:Choice>
-        <mc:Fallback xmlns="">
+        <mc:Fallback>
           <p:sp>
             <p:nvSpPr>
               <p:cNvPr id="2" name="文本框 1">
@@ -4133,8 +4158,8 @@
             </p:nvSpPr>
             <p:spPr>
               <a:xfrm>
-                <a:off x="6346085" y="2269482"/>
-                <a:ext cx="3781887" cy="780470"/>
+                <a:off x="6800548" y="4070905"/>
+                <a:ext cx="3781887" cy="849079"/>
               </a:xfrm>
               <a:prstGeom prst="rect">
                 <a:avLst/>
@@ -4197,6 +4222,183 @@
           </a:p>
         </p:txBody>
       </p:sp>
+      <mc:AlternateContent xmlns:mc="http://schemas.openxmlformats.org/markup-compatibility/2006">
+        <mc:Choice xmlns:a14="http://schemas.microsoft.com/office/drawing/2010/main" Requires="a14">
+          <p:sp>
+            <p:nvSpPr>
+              <p:cNvPr id="5" name="文本框 4">
+                <a:extLst>
+                  <a:ext uri="{FF2B5EF4-FFF2-40B4-BE49-F238E27FC236}">
+                    <a16:creationId xmlns:a16="http://schemas.microsoft.com/office/drawing/2014/main" id="{C1E492CF-B052-4701-8A4A-D96D6961560D}"/>
+                  </a:ext>
+                </a:extLst>
+              </p:cNvPr>
+              <p:cNvSpPr txBox="1"/>
+              <p:nvPr/>
+            </p:nvSpPr>
+            <p:spPr>
+              <a:xfrm>
+                <a:off x="6006568" y="1325563"/>
+                <a:ext cx="5639712" cy="1323439"/>
+              </a:xfrm>
+              <a:prstGeom prst="rect">
+                <a:avLst/>
+              </a:prstGeom>
+              <a:noFill/>
+            </p:spPr>
+            <p:txBody>
+              <a:bodyPr wrap="square" rtlCol="0">
+                <a:spAutoFit/>
+              </a:bodyPr>
+              <a:lstStyle/>
+              <a:p>
+                <a:pPr algn="just"/>
+                <a:r>
+                  <a:rPr lang="en-US" altLang="zh-CN" sz="2000" b="1" dirty="0"/>
+                  <a:t>Create an example where the obtained value r(C) by the algorithm is close to 2r</a:t>
+                </a:r>
+                <a14:m>
+                  <m:oMath xmlns:m="http://schemas.openxmlformats.org/officeDocument/2006/math">
+                    <m:sSup>
+                      <m:sSupPr>
+                        <m:ctrlPr>
+                          <a:rPr lang="en-US" altLang="zh-CN" sz="2000" b="1" i="1" smtClean="0">
+                            <a:latin typeface="Cambria Math" panose="02040503050406030204" pitchFamily="18" charset="0"/>
+                          </a:rPr>
+                        </m:ctrlPr>
+                      </m:sSupPr>
+                      <m:e>
+                        <m:r>
+                          <a:rPr lang="en-US" altLang="zh-CN" sz="2000" b="1" i="1" smtClean="0">
+                            <a:latin typeface="Cambria Math" panose="02040503050406030204" pitchFamily="18" charset="0"/>
+                          </a:rPr>
+                          <m:t>(</m:t>
+                        </m:r>
+                        <m:r>
+                          <a:rPr lang="en-US" altLang="zh-CN" sz="2000" b="1" i="1" smtClean="0">
+                            <a:latin typeface="Cambria Math" panose="02040503050406030204" pitchFamily="18" charset="0"/>
+                          </a:rPr>
+                          <m:t>𝑪</m:t>
+                        </m:r>
+                      </m:e>
+                      <m:sup>
+                        <m:r>
+                          <a:rPr lang="en-US" altLang="zh-CN" sz="2000" b="1" i="1" smtClean="0">
+                            <a:latin typeface="Cambria Math" panose="02040503050406030204" pitchFamily="18" charset="0"/>
+                          </a:rPr>
+                          <m:t>∗</m:t>
+                        </m:r>
+                      </m:sup>
+                    </m:sSup>
+                    <m:r>
+                      <a:rPr lang="en-US" altLang="zh-CN" sz="2000" b="1" i="1" smtClean="0">
+                        <a:latin typeface="Cambria Math" panose="02040503050406030204" pitchFamily="18" charset="0"/>
+                      </a:rPr>
+                      <m:t>)</m:t>
+                    </m:r>
+                  </m:oMath>
+                </a14:m>
+                <a:r>
+                  <a:rPr lang="en-US" altLang="zh-CN" sz="2000" b="1" dirty="0"/>
+                  <a:t>. Create another example where the obtain value r(C) by the algorithm is close r</a:t>
+                </a:r>
+                <a14:m>
+                  <m:oMath xmlns:m="http://schemas.openxmlformats.org/officeDocument/2006/math">
+                    <m:sSup>
+                      <m:sSupPr>
+                        <m:ctrlPr>
+                          <a:rPr lang="en-US" altLang="zh-CN" sz="2000" b="1" i="1">
+                            <a:latin typeface="Cambria Math" panose="02040503050406030204" pitchFamily="18" charset="0"/>
+                          </a:rPr>
+                        </m:ctrlPr>
+                      </m:sSupPr>
+                      <m:e>
+                        <m:r>
+                          <a:rPr lang="en-US" altLang="zh-CN" sz="2000" b="1" i="1">
+                            <a:latin typeface="Cambria Math" panose="02040503050406030204" pitchFamily="18" charset="0"/>
+                          </a:rPr>
+                          <m:t>(</m:t>
+                        </m:r>
+                        <m:r>
+                          <a:rPr lang="en-US" altLang="zh-CN" sz="2000" b="1" i="1">
+                            <a:latin typeface="Cambria Math" panose="02040503050406030204" pitchFamily="18" charset="0"/>
+                          </a:rPr>
+                          <m:t>𝑪</m:t>
+                        </m:r>
+                      </m:e>
+                      <m:sup>
+                        <m:r>
+                          <a:rPr lang="en-US" altLang="zh-CN" sz="2000" b="1" i="1">
+                            <a:latin typeface="Cambria Math" panose="02040503050406030204" pitchFamily="18" charset="0"/>
+                          </a:rPr>
+                          <m:t>∗</m:t>
+                        </m:r>
+                      </m:sup>
+                    </m:sSup>
+                    <m:r>
+                      <a:rPr lang="en-US" altLang="zh-CN" sz="2000" b="1" i="1">
+                        <a:latin typeface="Cambria Math" panose="02040503050406030204" pitchFamily="18" charset="0"/>
+                      </a:rPr>
+                      <m:t>)</m:t>
+                    </m:r>
+                    <m:r>
+                      <a:rPr lang="en-US" altLang="zh-CN" sz="2000" b="1" i="1" smtClean="0">
+                        <a:latin typeface="Cambria Math" panose="02040503050406030204" pitchFamily="18" charset="0"/>
+                      </a:rPr>
+                      <m:t>.</m:t>
+                    </m:r>
+                  </m:oMath>
+                </a14:m>
+                <a:endParaRPr lang="zh-CN" altLang="en-US" sz="2000" b="1" dirty="0"/>
+              </a:p>
+            </p:txBody>
+          </p:sp>
+        </mc:Choice>
+        <mc:Fallback>
+          <p:sp>
+            <p:nvSpPr>
+              <p:cNvPr id="5" name="文本框 4">
+                <a:extLst>
+                  <a:ext uri="{FF2B5EF4-FFF2-40B4-BE49-F238E27FC236}">
+                    <a16:creationId xmlns:a16="http://schemas.microsoft.com/office/drawing/2014/main" id="{C1E492CF-B052-4701-8A4A-D96D6961560D}"/>
+                  </a:ext>
+                </a:extLst>
+              </p:cNvPr>
+              <p:cNvSpPr txBox="1">
+                <a:spLocks noRot="1" noChangeAspect="1" noMove="1" noResize="1" noEditPoints="1" noAdjustHandles="1" noChangeArrowheads="1" noChangeShapeType="1" noTextEdit="1"/>
+              </p:cNvSpPr>
+              <p:nvPr/>
+            </p:nvSpPr>
+            <p:spPr>
+              <a:xfrm>
+                <a:off x="6006568" y="1325563"/>
+                <a:ext cx="5639712" cy="1323439"/>
+              </a:xfrm>
+              <a:prstGeom prst="rect">
+                <a:avLst/>
+              </a:prstGeom>
+              <a:blipFill>
+                <a:blip r:embed="rId4"/>
+                <a:stretch>
+                  <a:fillRect l="-1081" t="-2294" r="-1189" b="-6881"/>
+                </a:stretch>
+              </a:blipFill>
+            </p:spPr>
+            <p:txBody>
+              <a:bodyPr/>
+              <a:lstStyle/>
+              <a:p>
+                <a:r>
+                  <a:rPr lang="zh-CN" altLang="en-US">
+                    <a:noFill/>
+                  </a:rPr>
+                  <a:t> </a:t>
+                </a:r>
+              </a:p>
+            </p:txBody>
+          </p:sp>
+        </mc:Fallback>
+      </mc:AlternateContent>
     </p:spTree>
     <p:extLst>
       <p:ext uri="{BB962C8B-B14F-4D97-AF65-F5344CB8AC3E}">
@@ -4261,8 +4463,8 @@
           </a:p>
         </p:txBody>
       </p:sp>
-      <mc:AlternateContent xmlns:mc="http://schemas.openxmlformats.org/markup-compatibility/2006" xmlns:a14="http://schemas.microsoft.com/office/drawing/2010/main">
-        <mc:Choice Requires="a14">
+      <mc:AlternateContent xmlns:mc="http://schemas.openxmlformats.org/markup-compatibility/2006">
+        <mc:Choice xmlns:a14="http://schemas.microsoft.com/office/drawing/2010/main" Requires="a14">
           <p:sp>
             <p:nvSpPr>
               <p:cNvPr id="2" name="文本框 1">
@@ -4299,39 +4501,45 @@
                     </m:oMathParaPr>
                     <m:oMath xmlns:m="http://schemas.openxmlformats.org/officeDocument/2006/math">
                       <m:r>
-                        <a:rPr lang="en-US" altLang="zh-CN" sz="4000" b="0" i="1" smtClean="0">
+                        <a:rPr lang="en-US" altLang="zh-CN" sz="4000" b="1" i="1" smtClean="0">
                           <a:latin typeface="Cambria Math" panose="02040503050406030204" pitchFamily="18" charset="0"/>
                         </a:rPr>
-                        <m:t>𝑟</m:t>
+                        <m:t>𝒓</m:t>
                       </m:r>
                       <m:d>
                         <m:dPr>
                           <m:ctrlPr>
-                            <a:rPr lang="en-US" altLang="zh-CN" sz="4000" b="0" i="1" smtClean="0">
+                            <a:rPr lang="en-US" altLang="zh-CN" sz="4000" b="1" i="1" smtClean="0">
                               <a:latin typeface="Cambria Math" panose="02040503050406030204" pitchFamily="18" charset="0"/>
                             </a:rPr>
                           </m:ctrlPr>
                         </m:dPr>
                         <m:e>
                           <m:r>
-                            <a:rPr lang="en-US" altLang="zh-CN" sz="4000" b="0" i="1" smtClean="0">
+                            <a:rPr lang="en-US" altLang="zh-CN" sz="4000" b="1" i="1" smtClean="0">
                               <a:latin typeface="Cambria Math" panose="02040503050406030204" pitchFamily="18" charset="0"/>
                             </a:rPr>
-                            <m:t>𝐶</m:t>
+                            <m:t>𝑪</m:t>
                           </m:r>
                         </m:e>
                       </m:d>
                       <m:r>
-                        <a:rPr lang="en-US" altLang="zh-CN" sz="4000" b="0" i="1" smtClean="0">
+                        <a:rPr lang="en-US" altLang="zh-CN" sz="4000" b="1" i="1" smtClean="0">
                           <a:latin typeface="Cambria Math" panose="02040503050406030204" pitchFamily="18" charset="0"/>
                         </a:rPr>
-                        <m:t>=2</m:t>
+                        <m:t>=</m:t>
+                      </m:r>
+                      <m:r>
+                        <a:rPr lang="en-US" altLang="zh-CN" sz="4000" b="1" i="1" smtClean="0">
+                          <a:latin typeface="Cambria Math" panose="02040503050406030204" pitchFamily="18" charset="0"/>
+                        </a:rPr>
+                        <m:t>𝟐</m:t>
                       </m:r>
                       <m:rad>
                         <m:radPr>
                           <m:degHide m:val="on"/>
                           <m:ctrlPr>
-                            <a:rPr lang="en-US" altLang="zh-CN" sz="4000" b="0" i="1" smtClean="0">
+                            <a:rPr lang="en-US" altLang="zh-CN" sz="4000" b="1" i="1" smtClean="0">
                               <a:latin typeface="Cambria Math" panose="02040503050406030204" pitchFamily="18" charset="0"/>
                             </a:rPr>
                           </m:ctrlPr>
@@ -4339,67 +4547,73 @@
                         <m:deg/>
                         <m:e>
                           <m:r>
-                            <a:rPr lang="en-US" altLang="zh-CN" sz="4000" b="0" i="1" smtClean="0">
+                            <a:rPr lang="en-US" altLang="zh-CN" sz="4000" b="1" i="1" smtClean="0">
                               <a:latin typeface="Cambria Math" panose="02040503050406030204" pitchFamily="18" charset="0"/>
                             </a:rPr>
-                            <m:t>2</m:t>
+                            <m:t>𝟐</m:t>
                           </m:r>
                         </m:e>
                       </m:rad>
                     </m:oMath>
                   </m:oMathPara>
                 </a14:m>
-                <a:endParaRPr lang="en-US" altLang="zh-CN" sz="4000" b="0" dirty="0"/>
+                <a:endParaRPr lang="en-US" altLang="zh-CN" sz="4000" b="1" dirty="0"/>
               </a:p>
               <a:p>
                 <a:pPr algn="ctr"/>
-                <a:endParaRPr lang="en-US" altLang="zh-CN" sz="4000" dirty="0"/>
+                <a:endParaRPr lang="en-US" altLang="zh-CN" sz="4000" b="1" dirty="0"/>
               </a:p>
               <a:p>
                 <a:pPr algn="ctr"/>
                 <a14:m>
                   <m:oMath xmlns:m="http://schemas.openxmlformats.org/officeDocument/2006/math">
                     <m:r>
-                      <a:rPr lang="en-US" altLang="zh-CN" sz="4000" b="0" i="1" smtClean="0">
+                      <a:rPr lang="en-US" altLang="zh-CN" sz="4000" b="1" i="1" smtClean="0">
                         <a:latin typeface="Cambria Math" panose="02040503050406030204" pitchFamily="18" charset="0"/>
                       </a:rPr>
-                      <m:t>𝑟</m:t>
+                      <m:t>𝒓</m:t>
                     </m:r>
                     <m:d>
                       <m:dPr>
                         <m:ctrlPr>
-                          <a:rPr lang="en-US" altLang="zh-CN" sz="4000" b="0" i="1" smtClean="0">
+                          <a:rPr lang="en-US" altLang="zh-CN" sz="4000" b="1" i="1" smtClean="0">
                             <a:latin typeface="Cambria Math" panose="02040503050406030204" pitchFamily="18" charset="0"/>
                           </a:rPr>
                         </m:ctrlPr>
                       </m:dPr>
                       <m:e>
                         <m:r>
-                          <a:rPr lang="en-US" altLang="zh-CN" sz="4000" b="0" i="1" smtClean="0">
+                          <a:rPr lang="en-US" altLang="zh-CN" sz="4000" b="1" i="1" smtClean="0">
                             <a:latin typeface="Cambria Math" panose="02040503050406030204" pitchFamily="18" charset="0"/>
                           </a:rPr>
-                          <m:t>𝐶</m:t>
+                          <m:t>𝑪</m:t>
                         </m:r>
                       </m:e>
                     </m:d>
                   </m:oMath>
                 </a14:m>
                 <a:r>
-                  <a:rPr lang="en-US" altLang="zh-CN" sz="4000" dirty="0"/>
+                  <a:rPr lang="en-US" altLang="zh-CN" sz="4000" b="1" dirty="0"/>
                   <a:t>= </a:t>
                 </a:r>
                 <a14:m>
                   <m:oMath xmlns:m="http://schemas.openxmlformats.org/officeDocument/2006/math">
                     <m:r>
-                      <a:rPr lang="en-US" altLang="zh-CN" sz="4000" i="1">
+                      <a:rPr lang="en-US" altLang="zh-CN" sz="4000" b="1" i="1" dirty="0">
                         <a:latin typeface="Cambria Math" panose="02040503050406030204" pitchFamily="18" charset="0"/>
                       </a:rPr>
-                      <m:t>𝑟</m:t>
+                      <m:t>𝟐</m:t>
+                    </m:r>
+                    <m:r>
+                      <a:rPr lang="en-US" altLang="zh-CN" sz="4000" b="1" i="1">
+                        <a:latin typeface="Cambria Math" panose="02040503050406030204" pitchFamily="18" charset="0"/>
+                      </a:rPr>
+                      <m:t>𝒓</m:t>
                     </m:r>
                     <m:d>
                       <m:dPr>
                         <m:ctrlPr>
-                          <a:rPr lang="en-US" altLang="zh-CN" sz="4000" i="1">
+                          <a:rPr lang="en-US" altLang="zh-CN" sz="4000" b="1" i="1">
                             <a:latin typeface="Cambria Math" panose="02040503050406030204" pitchFamily="18" charset="0"/>
                           </a:rPr>
                         </m:ctrlPr>
@@ -4408,25 +4622,22 @@
                         <m:sSup>
                           <m:sSupPr>
                             <m:ctrlPr>
-                              <a:rPr lang="en-US" altLang="zh-CN" sz="4000" i="1">
+                              <a:rPr lang="en-US" altLang="zh-CN" sz="4000" b="1" i="1">
                                 <a:latin typeface="Cambria Math" panose="02040503050406030204" pitchFamily="18" charset="0"/>
                               </a:rPr>
                             </m:ctrlPr>
                           </m:sSupPr>
                           <m:e>
                             <m:r>
-                              <m:rPr>
-                                <m:sty m:val="p"/>
-                              </m:rPr>
-                              <a:rPr lang="en-US" altLang="zh-CN" sz="4000" i="1">
+                              <a:rPr lang="en-US" altLang="zh-CN" sz="4000" b="1" i="1">
                                 <a:latin typeface="Cambria Math" panose="02040503050406030204" pitchFamily="18" charset="0"/>
                               </a:rPr>
-                              <m:t>C</m:t>
+                              <m:t>𝑪</m:t>
                             </m:r>
                           </m:e>
                           <m:sup>
                             <m:r>
-                              <a:rPr lang="zh-CN" altLang="en-US" sz="4000" i="1">
+                              <a:rPr lang="zh-CN" altLang="en-US" sz="4000" b="1" i="1">
                                 <a:latin typeface="Cambria Math" panose="02040503050406030204" pitchFamily="18" charset="0"/>
                               </a:rPr>
                               <m:t>∗</m:t>
@@ -4437,12 +4648,12 @@
                     </m:d>
                   </m:oMath>
                 </a14:m>
-                <a:endParaRPr lang="zh-CN" altLang="en-US" sz="4000" dirty="0"/>
+                <a:endParaRPr lang="zh-CN" altLang="en-US" sz="4000" b="1" dirty="0"/>
               </a:p>
             </p:txBody>
           </p:sp>
         </mc:Choice>
-        <mc:Fallback xmlns="">
+        <mc:Fallback>
           <p:sp>
             <p:nvSpPr>
               <p:cNvPr id="2" name="文本框 1">
@@ -4720,8 +4931,8 @@
           </a:p>
         </p:txBody>
       </p:sp>
-      <mc:AlternateContent xmlns:mc="http://schemas.openxmlformats.org/markup-compatibility/2006" xmlns:a14="http://schemas.microsoft.com/office/drawing/2010/main">
-        <mc:Choice Requires="a14">
+      <mc:AlternateContent xmlns:mc="http://schemas.openxmlformats.org/markup-compatibility/2006">
+        <mc:Choice xmlns:a14="http://schemas.microsoft.com/office/drawing/2010/main" Requires="a14">
           <p:sp>
             <p:nvSpPr>
               <p:cNvPr id="2" name="文本框 1">
@@ -4758,30 +4969,30 @@
                     </m:oMathParaPr>
                     <m:oMath xmlns:m="http://schemas.openxmlformats.org/officeDocument/2006/math">
                       <m:r>
-                        <a:rPr lang="en-US" altLang="zh-CN" sz="4000" b="0" i="1" smtClean="0">
+                        <a:rPr lang="en-US" altLang="zh-CN" sz="4000" b="1" i="1" smtClean="0">
                           <a:latin typeface="Cambria Math" panose="02040503050406030204" pitchFamily="18" charset="0"/>
                         </a:rPr>
-                        <m:t>𝑟</m:t>
+                        <m:t>𝒓</m:t>
                       </m:r>
                       <m:d>
                         <m:dPr>
                           <m:ctrlPr>
-                            <a:rPr lang="en-US" altLang="zh-CN" sz="4000" b="0" i="1" smtClean="0">
+                            <a:rPr lang="en-US" altLang="zh-CN" sz="4000" b="1" i="1" smtClean="0">
                               <a:latin typeface="Cambria Math" panose="02040503050406030204" pitchFamily="18" charset="0"/>
                             </a:rPr>
                           </m:ctrlPr>
                         </m:dPr>
                         <m:e>
                           <m:r>
-                            <a:rPr lang="en-US" altLang="zh-CN" sz="4000" b="0" i="1" smtClean="0">
+                            <a:rPr lang="en-US" altLang="zh-CN" sz="4000" b="1" i="1" smtClean="0">
                               <a:latin typeface="Cambria Math" panose="02040503050406030204" pitchFamily="18" charset="0"/>
                             </a:rPr>
-                            <m:t>𝐶</m:t>
+                            <m:t>𝑪</m:t>
                           </m:r>
                         </m:e>
                       </m:d>
                       <m:r>
-                        <a:rPr lang="en-US" altLang="zh-CN" sz="4000" b="0" i="1" smtClean="0">
+                        <a:rPr lang="en-US" altLang="zh-CN" sz="4000" b="1" i="1" smtClean="0">
                           <a:latin typeface="Cambria Math" panose="02040503050406030204" pitchFamily="18" charset="0"/>
                         </a:rPr>
                         <m:t>=</m:t>
@@ -4790,7 +5001,7 @@
                         <m:radPr>
                           <m:degHide m:val="on"/>
                           <m:ctrlPr>
-                            <a:rPr lang="en-US" altLang="zh-CN" sz="4000" b="0" i="1" smtClean="0">
+                            <a:rPr lang="en-US" altLang="zh-CN" sz="4000" b="1" i="1" smtClean="0">
                               <a:latin typeface="Cambria Math" panose="02040503050406030204" pitchFamily="18" charset="0"/>
                             </a:rPr>
                           </m:ctrlPr>
@@ -4798,21 +5009,21 @@
                         <m:deg/>
                         <m:e>
                           <m:r>
-                            <a:rPr lang="en-US" altLang="zh-CN" sz="4000" b="0" i="1" smtClean="0">
+                            <a:rPr lang="en-US" altLang="zh-CN" sz="4000" b="1" i="1" smtClean="0">
                               <a:latin typeface="Cambria Math" panose="02040503050406030204" pitchFamily="18" charset="0"/>
                             </a:rPr>
-                            <m:t>2</m:t>
+                            <m:t>𝟐</m:t>
                           </m:r>
                         </m:e>
                       </m:rad>
                     </m:oMath>
                   </m:oMathPara>
                 </a14:m>
-                <a:endParaRPr lang="en-US" altLang="zh-CN" sz="4000" dirty="0"/>
+                <a:endParaRPr lang="en-US" altLang="zh-CN" sz="4000" b="1" dirty="0"/>
               </a:p>
               <a:p>
                 <a:pPr algn="ctr"/>
-                <a:endParaRPr lang="en-US" altLang="zh-CN" sz="4000" dirty="0"/>
+                <a:endParaRPr lang="en-US" altLang="zh-CN" sz="4000" b="1" dirty="0"/>
               </a:p>
               <a:p>
                 <a:pPr algn="ctr"/>
@@ -4823,42 +5034,42 @@
                     </m:oMathParaPr>
                     <m:oMath xmlns:m="http://schemas.openxmlformats.org/officeDocument/2006/math">
                       <m:r>
-                        <a:rPr lang="en-US" altLang="zh-CN" sz="4000" b="0" i="1" smtClean="0">
+                        <a:rPr lang="en-US" altLang="zh-CN" sz="4000" b="1" i="1" smtClean="0">
                           <a:latin typeface="Cambria Math" panose="02040503050406030204" pitchFamily="18" charset="0"/>
                         </a:rPr>
-                        <m:t>𝑟</m:t>
+                        <m:t>𝒓</m:t>
                       </m:r>
                       <m:d>
                         <m:dPr>
                           <m:ctrlPr>
-                            <a:rPr lang="en-US" altLang="zh-CN" sz="4000" b="0" i="1" smtClean="0">
+                            <a:rPr lang="en-US" altLang="zh-CN" sz="4000" b="1" i="1" smtClean="0">
                               <a:latin typeface="Cambria Math" panose="02040503050406030204" pitchFamily="18" charset="0"/>
                             </a:rPr>
                           </m:ctrlPr>
                         </m:dPr>
                         <m:e>
                           <m:r>
-                            <a:rPr lang="en-US" altLang="zh-CN" sz="4000" b="0" i="1" smtClean="0">
+                            <a:rPr lang="en-US" altLang="zh-CN" sz="4000" b="1" i="1" smtClean="0">
                               <a:latin typeface="Cambria Math" panose="02040503050406030204" pitchFamily="18" charset="0"/>
                             </a:rPr>
-                            <m:t>𝐶</m:t>
+                            <m:t>𝑪</m:t>
                           </m:r>
                         </m:e>
                       </m:d>
                       <m:r>
-                        <a:rPr lang="en-US" altLang="zh-CN" sz="4000" b="0" i="1" smtClean="0">
+                        <a:rPr lang="en-US" altLang="zh-CN" sz="4000" b="1" i="1" smtClean="0">
                           <a:latin typeface="Cambria Math" panose="02040503050406030204" pitchFamily="18" charset="0"/>
                         </a:rPr>
                         <m:t>=</m:t>
                       </m:r>
                       <m:r>
-                        <a:rPr lang="en-US" altLang="zh-CN" sz="4000" b="0" i="1" smtClean="0">
+                        <a:rPr lang="en-US" altLang="zh-CN" sz="4000" b="1" i="1" smtClean="0">
                           <a:latin typeface="Cambria Math" panose="02040503050406030204" pitchFamily="18" charset="0"/>
                         </a:rPr>
-                        <m:t>𝑟</m:t>
+                        <m:t>𝒓</m:t>
                       </m:r>
                       <m:r>
-                        <a:rPr lang="en-US" altLang="zh-CN" sz="4000" b="0" i="1" smtClean="0">
+                        <a:rPr lang="en-US" altLang="zh-CN" sz="4000" b="1" i="1" smtClean="0">
                           <a:latin typeface="Cambria Math" panose="02040503050406030204" pitchFamily="18" charset="0"/>
                         </a:rPr>
                         <m:t>(</m:t>
@@ -4866,22 +5077,22 @@
                       <m:sSup>
                         <m:sSupPr>
                           <m:ctrlPr>
-                            <a:rPr lang="en-US" altLang="zh-CN" sz="4000" b="0" i="1" smtClean="0">
+                            <a:rPr lang="en-US" altLang="zh-CN" sz="4000" b="1" i="1" smtClean="0">
                               <a:latin typeface="Cambria Math" panose="02040503050406030204" pitchFamily="18" charset="0"/>
                             </a:rPr>
                           </m:ctrlPr>
                         </m:sSupPr>
                         <m:e>
                           <m:r>
-                            <a:rPr lang="en-US" altLang="zh-CN" sz="4000" b="0" i="1" smtClean="0">
+                            <a:rPr lang="en-US" altLang="zh-CN" sz="4000" b="1" i="1" smtClean="0">
                               <a:latin typeface="Cambria Math" panose="02040503050406030204" pitchFamily="18" charset="0"/>
                             </a:rPr>
-                            <m:t>𝐶</m:t>
+                            <m:t>𝑪</m:t>
                           </m:r>
                         </m:e>
                         <m:sup>
                           <m:r>
-                            <a:rPr lang="en-US" altLang="zh-CN" sz="4000" b="0" i="1" smtClean="0">
+                            <a:rPr lang="en-US" altLang="zh-CN" sz="4000" b="1" i="1" smtClean="0">
                               <a:latin typeface="Cambria Math" panose="02040503050406030204" pitchFamily="18" charset="0"/>
                             </a:rPr>
                             <m:t>∗</m:t>
@@ -4889,7 +5100,7 @@
                         </m:sup>
                       </m:sSup>
                       <m:r>
-                        <a:rPr lang="en-US" altLang="zh-CN" sz="4000" b="0" i="1" smtClean="0">
+                        <a:rPr lang="en-US" altLang="zh-CN" sz="4000" b="1" i="1" smtClean="0">
                           <a:latin typeface="Cambria Math" panose="02040503050406030204" pitchFamily="18" charset="0"/>
                         </a:rPr>
                         <m:t>)</m:t>
@@ -4897,12 +5108,12 @@
                     </m:oMath>
                   </m:oMathPara>
                 </a14:m>
-                <a:endParaRPr lang="zh-CN" altLang="en-US" sz="4000" dirty="0"/>
+                <a:endParaRPr lang="zh-CN" altLang="en-US" sz="4000" b="1" dirty="0"/>
               </a:p>
             </p:txBody>
           </p:sp>
         </mc:Choice>
-        <mc:Fallback xmlns="">
+        <mc:Fallback>
           <p:sp>
             <p:nvSpPr>
               <p:cNvPr id="2" name="文本框 1">
@@ -5153,8 +5364,8 @@
           </a:p>
         </p:txBody>
       </p:sp>
-      <mc:AlternateContent xmlns:mc="http://schemas.openxmlformats.org/markup-compatibility/2006">
-        <mc:Choice xmlns:a14="http://schemas.microsoft.com/office/drawing/2010/main" Requires="a14">
+      <mc:AlternateContent xmlns:mc="http://schemas.openxmlformats.org/markup-compatibility/2006" xmlns:a14="http://schemas.microsoft.com/office/drawing/2010/main">
+        <mc:Choice Requires="a14">
           <p:sp>
             <p:nvSpPr>
               <p:cNvPr id="19" name="文本框 18">
@@ -5278,7 +5489,7 @@
             </p:txBody>
           </p:sp>
         </mc:Choice>
-        <mc:Fallback>
+        <mc:Fallback xmlns="">
           <p:sp>
             <p:nvSpPr>
               <p:cNvPr id="19" name="文本框 18">
@@ -5719,8 +5930,8 @@
           </a:p>
         </p:txBody>
       </p:sp>
-      <mc:AlternateContent xmlns:mc="http://schemas.openxmlformats.org/markup-compatibility/2006">
-        <mc:Choice xmlns:a14="http://schemas.microsoft.com/office/drawing/2010/main" Requires="a14">
+      <mc:AlternateContent xmlns:mc="http://schemas.openxmlformats.org/markup-compatibility/2006" xmlns:a14="http://schemas.microsoft.com/office/drawing/2010/main">
+        <mc:Choice Requires="a14">
           <p:graphicFrame>
             <p:nvGraphicFramePr>
               <p:cNvPr id="3" name="表格 4">
@@ -8073,7 +8284,7 @@
             </a:graphic>
           </p:graphicFrame>
         </mc:Choice>
-        <mc:Fallback>
+        <mc:Fallback xmlns="">
           <p:graphicFrame>
             <p:nvGraphicFramePr>
               <p:cNvPr id="3" name="表格 4">
@@ -10083,8 +10294,8 @@
           </p:graphicFrame>
         </mc:Fallback>
       </mc:AlternateContent>
-      <mc:AlternateContent xmlns:mc="http://schemas.openxmlformats.org/markup-compatibility/2006">
-        <mc:Choice xmlns:a14="http://schemas.microsoft.com/office/drawing/2010/main" Requires="a14">
+      <mc:AlternateContent xmlns:mc="http://schemas.openxmlformats.org/markup-compatibility/2006" xmlns:a14="http://schemas.microsoft.com/office/drawing/2010/main">
+        <mc:Choice Requires="a14">
           <p:sp>
             <p:nvSpPr>
               <p:cNvPr id="6" name="文本框 5">
@@ -10113,6 +10324,7 @@
               </a:bodyPr>
               <a:lstStyle/>
               <a:p>
+                <a:pPr/>
                 <a14:m>
                   <m:oMathPara xmlns:m="http://schemas.openxmlformats.org/officeDocument/2006/math">
                     <m:oMathParaPr>
@@ -10177,7 +10389,7 @@
             </p:txBody>
           </p:sp>
         </mc:Choice>
-        <mc:Fallback>
+        <mc:Fallback xmlns="">
           <p:sp>
             <p:nvSpPr>
               <p:cNvPr id="6" name="文本框 5">

--- a/homework/HW4/Homework4_12032189_LiuYuxi.pptx
+++ b/homework/HW4/Homework4_12032189_LiuYuxi.pptx
@@ -4001,8 +4001,8 @@
           </a:p>
         </p:txBody>
       </p:sp>
-      <mc:AlternateContent xmlns:mc="http://schemas.openxmlformats.org/markup-compatibility/2006">
-        <mc:Choice xmlns:a14="http://schemas.microsoft.com/office/drawing/2010/main" Requires="a14">
+      <mc:AlternateContent xmlns:mc="http://schemas.openxmlformats.org/markup-compatibility/2006" xmlns:a14="http://schemas.microsoft.com/office/drawing/2010/main">
+        <mc:Choice Requires="a14">
           <p:sp>
             <p:nvSpPr>
               <p:cNvPr id="2" name="文本框 1">
@@ -4141,7 +4141,7 @@
             </p:txBody>
           </p:sp>
         </mc:Choice>
-        <mc:Fallback>
+        <mc:Fallback xmlns="">
           <p:sp>
             <p:nvSpPr>
               <p:cNvPr id="2" name="文本框 1">
@@ -4222,8 +4222,8 @@
           </a:p>
         </p:txBody>
       </p:sp>
-      <mc:AlternateContent xmlns:mc="http://schemas.openxmlformats.org/markup-compatibility/2006">
-        <mc:Choice xmlns:a14="http://schemas.microsoft.com/office/drawing/2010/main" Requires="a14">
+      <mc:AlternateContent xmlns:mc="http://schemas.openxmlformats.org/markup-compatibility/2006" xmlns:a14="http://schemas.microsoft.com/office/drawing/2010/main">
+        <mc:Choice Requires="a14">
           <p:sp>
             <p:nvSpPr>
               <p:cNvPr id="5" name="文本框 4">
@@ -4354,7 +4354,7 @@
             </p:txBody>
           </p:sp>
         </mc:Choice>
-        <mc:Fallback>
+        <mc:Fallback xmlns="">
           <p:sp>
             <p:nvSpPr>
               <p:cNvPr id="5" name="文本框 4">
@@ -4463,8 +4463,8 @@
           </a:p>
         </p:txBody>
       </p:sp>
-      <mc:AlternateContent xmlns:mc="http://schemas.openxmlformats.org/markup-compatibility/2006">
-        <mc:Choice xmlns:a14="http://schemas.microsoft.com/office/drawing/2010/main" Requires="a14">
+      <mc:AlternateContent xmlns:mc="http://schemas.openxmlformats.org/markup-compatibility/2006" xmlns:a14="http://schemas.microsoft.com/office/drawing/2010/main">
+        <mc:Choice Requires="a14">
           <p:sp>
             <p:nvSpPr>
               <p:cNvPr id="2" name="文本框 1">
@@ -4653,7 +4653,7 @@
             </p:txBody>
           </p:sp>
         </mc:Choice>
-        <mc:Fallback>
+        <mc:Fallback xmlns="">
           <p:sp>
             <p:nvSpPr>
               <p:cNvPr id="2" name="文本框 1">
@@ -4931,8 +4931,8 @@
           </a:p>
         </p:txBody>
       </p:sp>
-      <mc:AlternateContent xmlns:mc="http://schemas.openxmlformats.org/markup-compatibility/2006">
-        <mc:Choice xmlns:a14="http://schemas.microsoft.com/office/drawing/2010/main" Requires="a14">
+      <mc:AlternateContent xmlns:mc="http://schemas.openxmlformats.org/markup-compatibility/2006" xmlns:a14="http://schemas.microsoft.com/office/drawing/2010/main">
+        <mc:Choice Requires="a14">
           <p:sp>
             <p:nvSpPr>
               <p:cNvPr id="2" name="文本框 1">
@@ -5113,7 +5113,7 @@
             </p:txBody>
           </p:sp>
         </mc:Choice>
-        <mc:Fallback>
+        <mc:Fallback xmlns="">
           <p:sp>
             <p:nvSpPr>
               <p:cNvPr id="2" name="文本框 1">

--- a/homework/HW4/Homework4_12032189_LiuYuxi.pptx
+++ b/homework/HW4/Homework4_12032189_LiuYuxi.pptx
@@ -5,7 +5,7 @@
     <p:sldMasterId id="2147483648" r:id="rId1"/>
   </p:sldMasterIdLst>
   <p:notesMasterIdLst>
-    <p:notesMasterId r:id="rId10"/>
+    <p:notesMasterId r:id="rId11"/>
   </p:notesMasterIdLst>
   <p:sldIdLst>
     <p:sldId id="256" r:id="rId2"/>
@@ -15,7 +15,8 @@
     <p:sldId id="282" r:id="rId6"/>
     <p:sldId id="259" r:id="rId7"/>
     <p:sldId id="283" r:id="rId8"/>
-    <p:sldId id="278" r:id="rId9"/>
+    <p:sldId id="285" r:id="rId9"/>
+    <p:sldId id="278" r:id="rId10"/>
   </p:sldIdLst>
   <p:sldSz cx="12192000" cy="6858000"/>
   <p:notesSz cx="6858000" cy="9144000"/>
@@ -4931,8 +4932,8 @@
           </a:p>
         </p:txBody>
       </p:sp>
-      <mc:AlternateContent xmlns:mc="http://schemas.openxmlformats.org/markup-compatibility/2006" xmlns:a14="http://schemas.microsoft.com/office/drawing/2010/main">
-        <mc:Choice Requires="a14">
+      <mc:AlternateContent xmlns:mc="http://schemas.openxmlformats.org/markup-compatibility/2006">
+        <mc:Choice xmlns:a14="http://schemas.microsoft.com/office/drawing/2010/main" Requires="a14">
           <p:sp>
             <p:nvSpPr>
               <p:cNvPr id="2" name="文本框 1">
@@ -4947,7 +4948,7 @@
             </p:nvSpPr>
             <p:spPr>
               <a:xfrm>
-                <a:off x="6346085" y="2269482"/>
+                <a:off x="6362511" y="2274958"/>
                 <a:ext cx="3781887" cy="2011576"/>
               </a:xfrm>
               <a:prstGeom prst="rect">
@@ -5113,7 +5114,7 @@
             </p:txBody>
           </p:sp>
         </mc:Choice>
-        <mc:Fallback xmlns="">
+        <mc:Fallback>
           <p:sp>
             <p:nvSpPr>
               <p:cNvPr id="2" name="文本框 1">
@@ -5130,7 +5131,7 @@
             </p:nvSpPr>
             <p:spPr>
               <a:xfrm>
-                <a:off x="6346085" y="2269482"/>
+                <a:off x="6362511" y="2274958"/>
                 <a:ext cx="3781887" cy="2011576"/>
               </a:xfrm>
               <a:prstGeom prst="rect">
@@ -5303,10 +5304,10 @@
       </p:grpSpPr>
       <p:pic>
         <p:nvPicPr>
-          <p:cNvPr id="21" name="图片 20">
+          <p:cNvPr id="8" name="图片 7">
             <a:extLst>
               <a:ext uri="{FF2B5EF4-FFF2-40B4-BE49-F238E27FC236}">
-                <a16:creationId xmlns:a16="http://schemas.microsoft.com/office/drawing/2014/main" id="{A131DE79-8250-4484-B2C3-77BF6061077E}"/>
+                <a16:creationId xmlns:a16="http://schemas.microsoft.com/office/drawing/2014/main" id="{316B23F4-73C7-4121-BAD4-F1B87312B9B7}"/>
               </a:ext>
             </a:extLst>
           </p:cNvPr>
@@ -5315,15 +5316,16 @@
           </p:cNvPicPr>
           <p:nvPr/>
         </p:nvPicPr>
-        <p:blipFill rotWithShape="1">
+        <p:blipFill>
           <a:blip r:embed="rId2"/>
-          <a:srcRect b="1495"/>
-          <a:stretch/>
+          <a:stretch>
+            <a:fillRect/>
+          </a:stretch>
         </p:blipFill>
         <p:spPr>
           <a:xfrm>
-            <a:off x="660648" y="2465188"/>
-            <a:ext cx="4124418" cy="3980000"/>
+            <a:off x="559601" y="2546129"/>
+            <a:ext cx="4219379" cy="4174492"/>
           </a:xfrm>
           <a:prstGeom prst="rect">
             <a:avLst/>
@@ -5812,7 +5814,7 @@
         </p:nvSpPr>
         <p:spPr>
           <a:xfrm>
-            <a:off x="3694594" y="2693875"/>
+            <a:off x="3509230" y="3225083"/>
             <a:ext cx="514905" cy="461665"/>
           </a:xfrm>
           <a:prstGeom prst="rect">
@@ -5856,7 +5858,7 @@
         </p:nvSpPr>
         <p:spPr>
           <a:xfrm>
-            <a:off x="4300492" y="3117397"/>
+            <a:off x="3786857" y="2799326"/>
             <a:ext cx="514905" cy="461665"/>
           </a:xfrm>
           <a:prstGeom prst="rect">
@@ -5900,7 +5902,7 @@
         </p:nvSpPr>
         <p:spPr>
           <a:xfrm>
-            <a:off x="4415904" y="2485899"/>
+            <a:off x="4103682" y="2461970"/>
             <a:ext cx="514905" cy="461665"/>
           </a:xfrm>
           <a:prstGeom prst="rect">
@@ -5930,8 +5932,8 @@
           </a:p>
         </p:txBody>
       </p:sp>
-      <mc:AlternateContent xmlns:mc="http://schemas.openxmlformats.org/markup-compatibility/2006" xmlns:a14="http://schemas.microsoft.com/office/drawing/2010/main">
-        <mc:Choice Requires="a14">
+      <mc:AlternateContent xmlns:mc="http://schemas.openxmlformats.org/markup-compatibility/2006">
+        <mc:Choice xmlns:a14="http://schemas.microsoft.com/office/drawing/2010/main" Requires="a14">
           <p:graphicFrame>
             <p:nvGraphicFramePr>
               <p:cNvPr id="3" name="表格 4">
@@ -5947,7 +5949,7 @@
               <p:nvPr>
                 <p:extLst>
                   <p:ext uri="{D42A27DB-BD31-4B8C-83A1-F6EECF244321}">
-                    <p14:modId xmlns:p14="http://schemas.microsoft.com/office/powerpoint/2010/main" val="1628262403"/>
+                    <p14:modId xmlns:p14="http://schemas.microsoft.com/office/powerpoint/2010/main" val="893201985"/>
                   </p:ext>
                 </p:extLst>
               </p:nvPr>
@@ -5994,7 +5996,7 @@
                           <a:pPr algn="ctr"/>
                           <a:r>
                             <a:rPr lang="en-US" altLang="zh-CN" sz="1300" dirty="0"/>
-                            <a:t>Point</a:t>
+                            <a:t>Site</a:t>
                           </a:r>
                           <a:endParaRPr lang="zh-CN" altLang="en-US" sz="1300" dirty="0"/>
                         </a:p>
@@ -6114,7 +6116,7 @@
                           <a:pPr algn="ctr"/>
                           <a:r>
                             <a:rPr lang="en-US" altLang="zh-CN" sz="1300" dirty="0"/>
-                            <a:t>The nearest points</a:t>
+                            <a:t>The nearest sites</a:t>
                           </a:r>
                           <a:endParaRPr lang="zh-CN" altLang="en-US" sz="1300" dirty="0"/>
                         </a:p>
@@ -6945,23 +6947,7 @@
                         <a:bodyPr/>
                         <a:lstStyle/>
                         <a:p>
-                          <a:pPr marL="0" marR="0" lvl="0" indent="0" algn="ctr" defTabSz="914400" rtl="0" eaLnBrk="1" fontAlgn="auto" latinLnBrk="0" hangingPunct="1">
-                            <a:lnSpc>
-                              <a:spcPct val="100000"/>
-                            </a:lnSpc>
-                            <a:spcBef>
-                              <a:spcPts val="0"/>
-                            </a:spcBef>
-                            <a:spcAft>
-                              <a:spcPts val="0"/>
-                            </a:spcAft>
-                            <a:buClrTx/>
-                            <a:buSzTx/>
-                            <a:buFontTx/>
-                            <a:buNone/>
-                            <a:tabLst/>
-                            <a:defRPr/>
-                          </a:pPr>
+                          <a:pPr algn="ctr"/>
                           <a14:m>
                             <m:oMathPara xmlns:m="http://schemas.openxmlformats.org/officeDocument/2006/math">
                               <m:oMathParaPr>
@@ -7668,23 +7654,7 @@
                         <a:bodyPr/>
                         <a:lstStyle/>
                         <a:p>
-                          <a:pPr marL="0" marR="0" lvl="0" indent="0" algn="ctr" defTabSz="914400" rtl="0" eaLnBrk="1" fontAlgn="auto" latinLnBrk="0" hangingPunct="1">
-                            <a:lnSpc>
-                              <a:spcPct val="100000"/>
-                            </a:lnSpc>
-                            <a:spcBef>
-                              <a:spcPts val="0"/>
-                            </a:spcBef>
-                            <a:spcAft>
-                              <a:spcPts val="0"/>
-                            </a:spcAft>
-                            <a:buClrTx/>
-                            <a:buSzTx/>
-                            <a:buFontTx/>
-                            <a:buNone/>
-                            <a:tabLst/>
-                            <a:defRPr/>
-                          </a:pPr>
+                          <a:pPr algn="ctr"/>
                           <a14:m>
                             <m:oMathPara xmlns:m="http://schemas.openxmlformats.org/officeDocument/2006/math">
                               <m:oMathParaPr>
@@ -7695,7 +7665,7 @@
                                   <a:rPr lang="en-US" altLang="zh-CN" sz="1300" b="0" i="1" smtClean="0">
                                     <a:latin typeface="Cambria Math" panose="02040503050406030204" pitchFamily="18" charset="0"/>
                                   </a:rPr>
-                                  <m:t>1+</m:t>
+                                  <m:t>3</m:t>
                                 </m:r>
                                 <m:rad>
                                   <m:radPr>
@@ -7936,7 +7906,7 @@
                                   <a:rPr lang="en-US" altLang="zh-CN" sz="1300" b="0" i="1" smtClean="0">
                                     <a:latin typeface="Cambria Math" panose="02040503050406030204" pitchFamily="18" charset="0"/>
                                   </a:rPr>
-                                  <m:t>1+</m:t>
+                                  <m:t>2</m:t>
                                 </m:r>
                                 <m:rad>
                                   <m:radPr>
@@ -8150,11 +8120,57 @@
                         <a:bodyPr/>
                         <a:lstStyle/>
                         <a:p>
-                          <a:pPr algn="ctr"/>
-                          <a:r>
-                            <a:rPr lang="en-US" altLang="zh-CN" sz="1300" dirty="0"/>
-                            <a:t>2</a:t>
-                          </a:r>
+                          <a:pPr marL="0" marR="0" lvl="0" indent="0" algn="ctr" defTabSz="914400" rtl="0" eaLnBrk="1" fontAlgn="auto" latinLnBrk="0" hangingPunct="1">
+                            <a:lnSpc>
+                              <a:spcPct val="100000"/>
+                            </a:lnSpc>
+                            <a:spcBef>
+                              <a:spcPts val="0"/>
+                            </a:spcBef>
+                            <a:spcAft>
+                              <a:spcPts val="0"/>
+                            </a:spcAft>
+                            <a:buClrTx/>
+                            <a:buSzTx/>
+                            <a:buFontTx/>
+                            <a:buNone/>
+                            <a:tabLst/>
+                            <a:defRPr/>
+                          </a:pPr>
+                          <a14:m>
+                            <m:oMathPara xmlns:m="http://schemas.openxmlformats.org/officeDocument/2006/math">
+                              <m:oMathParaPr>
+                                <m:jc m:val="centerGroup"/>
+                              </m:oMathParaPr>
+                              <m:oMath xmlns:m="http://schemas.openxmlformats.org/officeDocument/2006/math">
+                                <m:r>
+                                  <a:rPr lang="en-US" altLang="zh-CN" sz="1300" b="0" i="1" smtClean="0">
+                                    <a:latin typeface="Cambria Math" panose="02040503050406030204" pitchFamily="18" charset="0"/>
+                                  </a:rPr>
+                                  <m:t>3</m:t>
+                                </m:r>
+                                <m:rad>
+                                  <m:radPr>
+                                    <m:degHide m:val="on"/>
+                                    <m:ctrlPr>
+                                      <a:rPr lang="en-US" altLang="zh-CN" sz="1300" b="0" i="1" smtClean="0">
+                                        <a:latin typeface="Cambria Math" panose="02040503050406030204" pitchFamily="18" charset="0"/>
+                                      </a:rPr>
+                                    </m:ctrlPr>
+                                  </m:radPr>
+                                  <m:deg/>
+                                  <m:e>
+                                    <m:r>
+                                      <a:rPr lang="en-US" altLang="zh-CN" sz="1300" b="0" i="1" smtClean="0">
+                                        <a:latin typeface="Cambria Math" panose="02040503050406030204" pitchFamily="18" charset="0"/>
+                                      </a:rPr>
+                                      <m:t>2</m:t>
+                                    </m:r>
+                                  </m:e>
+                                </m:rad>
+                              </m:oMath>
+                            </m:oMathPara>
+                          </a14:m>
                           <a:endParaRPr lang="zh-CN" altLang="en-US" sz="1300" dirty="0"/>
                         </a:p>
                       </a:txBody>
@@ -8284,7 +8300,7 @@
             </a:graphic>
           </p:graphicFrame>
         </mc:Choice>
-        <mc:Fallback xmlns="">
+        <mc:Fallback>
           <p:graphicFrame>
             <p:nvGraphicFramePr>
               <p:cNvPr id="3" name="表格 4">
@@ -8300,7 +8316,7 @@
               <p:nvPr>
                 <p:extLst>
                   <p:ext uri="{D42A27DB-BD31-4B8C-83A1-F6EECF244321}">
-                    <p14:modId xmlns:p14="http://schemas.microsoft.com/office/powerpoint/2010/main" val="1628262403"/>
+                    <p14:modId xmlns:p14="http://schemas.microsoft.com/office/powerpoint/2010/main" val="893201985"/>
                   </p:ext>
                 </p:extLst>
               </p:nvPr>
@@ -8347,7 +8363,7 @@
                           <a:pPr algn="ctr"/>
                           <a:r>
                             <a:rPr lang="en-US" altLang="zh-CN" sz="1300" dirty="0"/>
-                            <a:t>Point</a:t>
+                            <a:t>Site</a:t>
                           </a:r>
                           <a:endParaRPr lang="zh-CN" altLang="en-US" sz="1300" dirty="0"/>
                         </a:p>
@@ -8467,7 +8483,7 @@
                           <a:pPr algn="ctr"/>
                           <a:r>
                             <a:rPr lang="en-US" altLang="zh-CN" sz="1300" dirty="0"/>
-                            <a:t>The nearest points</a:t>
+                            <a:t>The nearest sites</a:t>
                           </a:r>
                           <a:endParaRPr lang="zh-CN" altLang="en-US" sz="1300" dirty="0"/>
                         </a:p>
@@ -10159,12 +10175,7 @@
                         <a:bodyPr/>
                         <a:lstStyle/>
                         <a:p>
-                          <a:pPr algn="ctr"/>
-                          <a:r>
-                            <a:rPr lang="en-US" altLang="zh-CN" sz="1300" dirty="0"/>
-                            <a:t>2</a:t>
-                          </a:r>
-                          <a:endParaRPr lang="zh-CN" altLang="en-US" sz="1300" dirty="0"/>
+                          <a:endParaRPr lang="zh-CN"/>
                         </a:p>
                       </a:txBody>
                       <a:tcPr marL="68109" marR="68109" marT="34054" marB="34054">
@@ -10212,6 +10223,12 @@
                           <a:noFill/>
                           <a:prstDash val="solid"/>
                         </a:lnBlToTr>
+                        <a:blipFill>
+                          <a:blip r:embed="rId4"/>
+                          <a:stretch>
+                            <a:fillRect l="-100791" t="-913725" r="-101186" b="-3922"/>
+                          </a:stretch>
+                        </a:blipFill>
                       </a:tcPr>
                     </a:tc>
                     <a:tc>
@@ -10466,10 +10483,10 @@
       </p:grpSpPr>
       <p:pic>
         <p:nvPicPr>
-          <p:cNvPr id="38" name="图片 37">
+          <p:cNvPr id="7" name="图片 6">
             <a:extLst>
               <a:ext uri="{FF2B5EF4-FFF2-40B4-BE49-F238E27FC236}">
-                <a16:creationId xmlns:a16="http://schemas.microsoft.com/office/drawing/2014/main" id="{ED5813D5-6438-4B08-BAFA-938E09226D97}"/>
+                <a16:creationId xmlns:a16="http://schemas.microsoft.com/office/drawing/2014/main" id="{6CC95CCA-07B2-4EE6-BA89-767992F1780A}"/>
               </a:ext>
             </a:extLst>
           </p:cNvPr>
@@ -10486,8 +10503,8 @@
         </p:blipFill>
         <p:spPr>
           <a:xfrm>
-            <a:off x="6941158" y="1263076"/>
-            <a:ext cx="4302299" cy="4135297"/>
+            <a:off x="6888370" y="1263076"/>
+            <a:ext cx="4391917" cy="4283061"/>
           </a:xfrm>
           <a:prstGeom prst="rect">
             <a:avLst/>
@@ -10496,10 +10513,10 @@
       </p:pic>
       <p:pic>
         <p:nvPicPr>
-          <p:cNvPr id="5" name="图片 4">
+          <p:cNvPr id="3" name="图片 2">
             <a:extLst>
               <a:ext uri="{FF2B5EF4-FFF2-40B4-BE49-F238E27FC236}">
-                <a16:creationId xmlns:a16="http://schemas.microsoft.com/office/drawing/2014/main" id="{3CB15F27-368B-4CE9-B79F-9E3F221C30B0}"/>
+                <a16:creationId xmlns:a16="http://schemas.microsoft.com/office/drawing/2014/main" id="{E63B47EA-ABF4-4FA9-9711-82889D4F2EF0}"/>
               </a:ext>
             </a:extLst>
           </p:cNvPr>
@@ -10516,8 +10533,8 @@
         </p:blipFill>
         <p:spPr>
           <a:xfrm>
-            <a:off x="393543" y="1322186"/>
-            <a:ext cx="4108771" cy="3993356"/>
+            <a:off x="341691" y="1311862"/>
+            <a:ext cx="4201766" cy="4234275"/>
           </a:xfrm>
           <a:prstGeom prst="rect">
             <a:avLst/>
@@ -10836,7 +10853,7 @@
         </p:nvSpPr>
         <p:spPr>
           <a:xfrm>
-            <a:off x="3438285" y="1502384"/>
+            <a:off x="3214356" y="1826402"/>
             <a:ext cx="514905" cy="461665"/>
           </a:xfrm>
           <a:prstGeom prst="rect">
@@ -10880,7 +10897,7 @@
         </p:nvSpPr>
         <p:spPr>
           <a:xfrm>
-            <a:off x="4044183" y="1925906"/>
+            <a:off x="3531165" y="1568542"/>
             <a:ext cx="514905" cy="461665"/>
           </a:xfrm>
           <a:prstGeom prst="rect">
@@ -10924,7 +10941,7 @@
         </p:nvSpPr>
         <p:spPr>
           <a:xfrm>
-            <a:off x="4159595" y="1294408"/>
+            <a:off x="3874302" y="1263076"/>
             <a:ext cx="514905" cy="461665"/>
           </a:xfrm>
           <a:prstGeom prst="rect">
@@ -11232,7 +11249,7 @@
         </p:nvSpPr>
         <p:spPr>
           <a:xfrm>
-            <a:off x="10090337" y="1471053"/>
+            <a:off x="9931548" y="1853895"/>
             <a:ext cx="514905" cy="461665"/>
           </a:xfrm>
           <a:prstGeom prst="rect">
@@ -11276,7 +11293,7 @@
         </p:nvSpPr>
         <p:spPr>
           <a:xfrm>
-            <a:off x="10696235" y="1894575"/>
+            <a:off x="10233113" y="1540610"/>
             <a:ext cx="514905" cy="461665"/>
           </a:xfrm>
           <a:prstGeom prst="rect">
@@ -11320,7 +11337,7 @@
         </p:nvSpPr>
         <p:spPr>
           <a:xfrm>
-            <a:off x="10811647" y="1263077"/>
+            <a:off x="10544686" y="1227325"/>
             <a:ext cx="514905" cy="461665"/>
           </a:xfrm>
           <a:prstGeom prst="rect">
@@ -11396,6 +11413,150 @@
           </a:p>
         </p:txBody>
       </p:sp>
+      <mc:AlternateContent xmlns:mc="http://schemas.openxmlformats.org/markup-compatibility/2006">
+        <mc:Choice xmlns:a14="http://schemas.microsoft.com/office/drawing/2010/main" Requires="a14">
+          <p:sp>
+            <p:nvSpPr>
+              <p:cNvPr id="17" name="文本框 16">
+                <a:extLst>
+                  <a:ext uri="{FF2B5EF4-FFF2-40B4-BE49-F238E27FC236}">
+                    <a16:creationId xmlns:a16="http://schemas.microsoft.com/office/drawing/2014/main" id="{993DACF0-E07E-4AE9-85F5-3F76AE916FE5}"/>
+                  </a:ext>
+                </a:extLst>
+              </p:cNvPr>
+              <p:cNvSpPr txBox="1"/>
+              <p:nvPr/>
+            </p:nvSpPr>
+            <p:spPr>
+              <a:xfrm>
+                <a:off x="7168100" y="5616359"/>
+                <a:ext cx="3781887" cy="780470"/>
+              </a:xfrm>
+              <a:prstGeom prst="rect">
+                <a:avLst/>
+              </a:prstGeom>
+              <a:noFill/>
+            </p:spPr>
+            <p:txBody>
+              <a:bodyPr wrap="square" rtlCol="0">
+                <a:spAutoFit/>
+              </a:bodyPr>
+              <a:lstStyle/>
+              <a:p>
+                <a:pPr algn="ctr"/>
+                <a14:m>
+                  <m:oMathPara xmlns:m="http://schemas.openxmlformats.org/officeDocument/2006/math">
+                    <m:oMathParaPr>
+                      <m:jc m:val="centerGroup"/>
+                    </m:oMathParaPr>
+                    <m:oMath xmlns:m="http://schemas.openxmlformats.org/officeDocument/2006/math">
+                      <m:r>
+                        <a:rPr lang="en-US" altLang="zh-CN" sz="4000" b="1" i="1" smtClean="0">
+                          <a:latin typeface="Cambria Math" panose="02040503050406030204" pitchFamily="18" charset="0"/>
+                        </a:rPr>
+                        <m:t>𝒓</m:t>
+                      </m:r>
+                      <m:d>
+                        <m:dPr>
+                          <m:ctrlPr>
+                            <a:rPr lang="en-US" altLang="zh-CN" sz="4000" b="1" i="1" smtClean="0">
+                              <a:latin typeface="Cambria Math" panose="02040503050406030204" pitchFamily="18" charset="0"/>
+                            </a:rPr>
+                          </m:ctrlPr>
+                        </m:dPr>
+                        <m:e>
+                          <m:r>
+                            <a:rPr lang="en-US" altLang="zh-CN" sz="4000" b="1" i="1" smtClean="0">
+                              <a:latin typeface="Cambria Math" panose="02040503050406030204" pitchFamily="18" charset="0"/>
+                            </a:rPr>
+                            <m:t>𝑪</m:t>
+                          </m:r>
+                        </m:e>
+                      </m:d>
+                      <m:r>
+                        <a:rPr lang="en-US" altLang="zh-CN" sz="4000" b="1" i="1" smtClean="0">
+                          <a:latin typeface="Cambria Math" panose="02040503050406030204" pitchFamily="18" charset="0"/>
+                        </a:rPr>
+                        <m:t>=</m:t>
+                      </m:r>
+                      <m:r>
+                        <a:rPr lang="en-US" altLang="zh-CN" sz="4000" b="1" i="1" smtClean="0">
+                          <a:latin typeface="Cambria Math" panose="02040503050406030204" pitchFamily="18" charset="0"/>
+                        </a:rPr>
+                        <m:t>𝟐</m:t>
+                      </m:r>
+                      <m:rad>
+                        <m:radPr>
+                          <m:degHide m:val="on"/>
+                          <m:ctrlPr>
+                            <a:rPr lang="en-US" altLang="zh-CN" sz="4000" b="1" i="1" smtClean="0">
+                              <a:latin typeface="Cambria Math" panose="02040503050406030204" pitchFamily="18" charset="0"/>
+                            </a:rPr>
+                          </m:ctrlPr>
+                        </m:radPr>
+                        <m:deg/>
+                        <m:e>
+                          <m:r>
+                            <a:rPr lang="en-US" altLang="zh-CN" sz="4000" b="1" i="1" smtClean="0">
+                              <a:latin typeface="Cambria Math" panose="02040503050406030204" pitchFamily="18" charset="0"/>
+                            </a:rPr>
+                            <m:t>𝟐</m:t>
+                          </m:r>
+                        </m:e>
+                      </m:rad>
+                    </m:oMath>
+                  </m:oMathPara>
+                </a14:m>
+                <a:endParaRPr lang="en-US" altLang="zh-CN" sz="4000" b="1" dirty="0"/>
+              </a:p>
+            </p:txBody>
+          </p:sp>
+        </mc:Choice>
+        <mc:Fallback>
+          <p:sp>
+            <p:nvSpPr>
+              <p:cNvPr id="17" name="文本框 16">
+                <a:extLst>
+                  <a:ext uri="{FF2B5EF4-FFF2-40B4-BE49-F238E27FC236}">
+                    <a16:creationId xmlns:a16="http://schemas.microsoft.com/office/drawing/2014/main" id="{993DACF0-E07E-4AE9-85F5-3F76AE916FE5}"/>
+                  </a:ext>
+                </a:extLst>
+              </p:cNvPr>
+              <p:cNvSpPr txBox="1">
+                <a:spLocks noRot="1" noChangeAspect="1" noMove="1" noResize="1" noEditPoints="1" noAdjustHandles="1" noChangeArrowheads="1" noChangeShapeType="1" noTextEdit="1"/>
+              </p:cNvSpPr>
+              <p:nvPr/>
+            </p:nvSpPr>
+            <p:spPr>
+              <a:xfrm>
+                <a:off x="7168100" y="5616359"/>
+                <a:ext cx="3781887" cy="780470"/>
+              </a:xfrm>
+              <a:prstGeom prst="rect">
+                <a:avLst/>
+              </a:prstGeom>
+              <a:blipFill>
+                <a:blip r:embed="rId4"/>
+                <a:stretch>
+                  <a:fillRect/>
+                </a:stretch>
+              </a:blipFill>
+            </p:spPr>
+            <p:txBody>
+              <a:bodyPr/>
+              <a:lstStyle/>
+              <a:p>
+                <a:r>
+                  <a:rPr lang="zh-CN" altLang="en-US">
+                    <a:noFill/>
+                  </a:rPr>
+                  <a:t> </a:t>
+                </a:r>
+              </a:p>
+            </p:txBody>
+          </p:sp>
+        </mc:Fallback>
+      </mc:AlternateContent>
     </p:spTree>
     <p:extLst>
       <p:ext uri="{BB962C8B-B14F-4D97-AF65-F5344CB8AC3E}">
@@ -11410,6 +11571,915 @@
 </file>
 
 <file path=ppt/slides/slide8.xml><?xml version="1.0" encoding="utf-8"?>
+<p:sld xmlns:a="http://schemas.openxmlformats.org/drawingml/2006/main" xmlns:r="http://schemas.openxmlformats.org/officeDocument/2006/relationships" xmlns:p="http://schemas.openxmlformats.org/presentationml/2006/main">
+  <p:cSld>
+    <p:spTree>
+      <p:nvGrpSpPr>
+        <p:cNvPr id="1" name=""/>
+        <p:cNvGrpSpPr/>
+        <p:nvPr/>
+      </p:nvGrpSpPr>
+      <p:grpSpPr>
+        <a:xfrm>
+          <a:off x="0" y="0"/>
+          <a:ext cx="0" cy="0"/>
+          <a:chOff x="0" y="0"/>
+          <a:chExt cx="0" cy="0"/>
+        </a:xfrm>
+      </p:grpSpPr>
+      <p:pic>
+        <p:nvPicPr>
+          <p:cNvPr id="75" name="图片 74">
+            <a:extLst>
+              <a:ext uri="{FF2B5EF4-FFF2-40B4-BE49-F238E27FC236}">
+                <a16:creationId xmlns:a16="http://schemas.microsoft.com/office/drawing/2014/main" id="{0831E0DA-2141-430E-9673-1FE037D93255}"/>
+              </a:ext>
+            </a:extLst>
+          </p:cNvPr>
+          <p:cNvPicPr>
+            <a:picLocks noChangeAspect="1"/>
+          </p:cNvPicPr>
+          <p:nvPr/>
+        </p:nvPicPr>
+        <p:blipFill>
+          <a:blip r:embed="rId2"/>
+          <a:stretch>
+            <a:fillRect/>
+          </a:stretch>
+        </p:blipFill>
+        <p:spPr>
+          <a:xfrm>
+            <a:off x="333906" y="1390545"/>
+            <a:ext cx="4462659" cy="4365114"/>
+          </a:xfrm>
+          <a:prstGeom prst="rect">
+            <a:avLst/>
+          </a:prstGeom>
+        </p:spPr>
+      </p:pic>
+      <p:pic>
+        <p:nvPicPr>
+          <p:cNvPr id="5" name="图片 4">
+            <a:extLst>
+              <a:ext uri="{FF2B5EF4-FFF2-40B4-BE49-F238E27FC236}">
+                <a16:creationId xmlns:a16="http://schemas.microsoft.com/office/drawing/2014/main" id="{18208BFF-9FA6-47F2-9C1F-8D0163639DAD}"/>
+              </a:ext>
+            </a:extLst>
+          </p:cNvPr>
+          <p:cNvPicPr>
+            <a:picLocks noChangeAspect="1"/>
+          </p:cNvPicPr>
+          <p:nvPr/>
+        </p:nvPicPr>
+        <p:blipFill>
+          <a:blip r:embed="rId3"/>
+          <a:stretch>
+            <a:fillRect/>
+          </a:stretch>
+        </p:blipFill>
+        <p:spPr>
+          <a:xfrm>
+            <a:off x="6820440" y="1367649"/>
+            <a:ext cx="4533360" cy="4435088"/>
+          </a:xfrm>
+          <a:prstGeom prst="rect">
+            <a:avLst/>
+          </a:prstGeom>
+        </p:spPr>
+      </p:pic>
+      <p:sp>
+        <p:nvSpPr>
+          <p:cNvPr id="4" name="标题 1">
+            <a:extLst>
+              <a:ext uri="{FF2B5EF4-FFF2-40B4-BE49-F238E27FC236}">
+                <a16:creationId xmlns:a16="http://schemas.microsoft.com/office/drawing/2014/main" id="{1EA6C3A5-1001-445C-A77E-0C8EA367598B}"/>
+              </a:ext>
+            </a:extLst>
+          </p:cNvPr>
+          <p:cNvSpPr>
+            <a:spLocks noGrp="1"/>
+          </p:cNvSpPr>
+          <p:nvPr>
+            <p:ph type="title"/>
+          </p:nvPr>
+        </p:nvSpPr>
+        <p:spPr>
+          <a:xfrm>
+            <a:off x="838200" y="242979"/>
+            <a:ext cx="10515600" cy="1325563"/>
+          </a:xfrm>
+        </p:spPr>
+        <p:txBody>
+          <a:bodyPr/>
+          <a:lstStyle/>
+          <a:p>
+            <a:r>
+              <a:rPr lang="en-US" altLang="zh-CN" b="1" dirty="0"/>
+              <a:t>Exercise 3-2</a:t>
+            </a:r>
+            <a:endParaRPr lang="zh-CN" altLang="en-US" dirty="0"/>
+          </a:p>
+        </p:txBody>
+      </p:sp>
+      <p:sp>
+        <p:nvSpPr>
+          <p:cNvPr id="8" name="文本框 7">
+            <a:extLst>
+              <a:ext uri="{FF2B5EF4-FFF2-40B4-BE49-F238E27FC236}">
+                <a16:creationId xmlns:a16="http://schemas.microsoft.com/office/drawing/2014/main" id="{F62476E9-6091-4D1C-93E8-B37A541692DF}"/>
+              </a:ext>
+            </a:extLst>
+          </p:cNvPr>
+          <p:cNvSpPr txBox="1"/>
+          <p:nvPr/>
+        </p:nvSpPr>
+        <p:spPr>
+          <a:xfrm>
+            <a:off x="6835595" y="5159282"/>
+            <a:ext cx="514905" cy="461665"/>
+          </a:xfrm>
+          <a:prstGeom prst="rect">
+            <a:avLst/>
+          </a:prstGeom>
+          <a:noFill/>
+        </p:spPr>
+        <p:txBody>
+          <a:bodyPr wrap="square" rtlCol="0">
+            <a:spAutoFit/>
+          </a:bodyPr>
+          <a:lstStyle/>
+          <a:p>
+            <a:r>
+              <a:rPr lang="en-US" altLang="zh-CN" sz="2400" b="1" dirty="0">
+                <a:solidFill>
+                  <a:srgbClr val="FF0000"/>
+                </a:solidFill>
+              </a:rPr>
+              <a:t>1</a:t>
+            </a:r>
+            <a:endParaRPr lang="zh-CN" altLang="en-US" sz="2400" b="1" dirty="0">
+              <a:solidFill>
+                <a:srgbClr val="FF0000"/>
+              </a:solidFill>
+            </a:endParaRPr>
+          </a:p>
+        </p:txBody>
+      </p:sp>
+      <p:sp>
+        <p:nvSpPr>
+          <p:cNvPr id="9" name="文本框 8">
+            <a:extLst>
+              <a:ext uri="{FF2B5EF4-FFF2-40B4-BE49-F238E27FC236}">
+                <a16:creationId xmlns:a16="http://schemas.microsoft.com/office/drawing/2014/main" id="{E51D02AF-5890-4B44-8C84-758B7BA1ECCA}"/>
+              </a:ext>
+            </a:extLst>
+          </p:cNvPr>
+          <p:cNvSpPr txBox="1"/>
+          <p:nvPr/>
+        </p:nvSpPr>
+        <p:spPr>
+          <a:xfrm>
+            <a:off x="7096748" y="4843533"/>
+            <a:ext cx="514905" cy="461665"/>
+          </a:xfrm>
+          <a:prstGeom prst="rect">
+            <a:avLst/>
+          </a:prstGeom>
+          <a:noFill/>
+        </p:spPr>
+        <p:txBody>
+          <a:bodyPr wrap="square" rtlCol="0">
+            <a:spAutoFit/>
+          </a:bodyPr>
+          <a:lstStyle/>
+          <a:p>
+            <a:r>
+              <a:rPr lang="en-US" altLang="zh-CN" sz="2400" b="1" dirty="0">
+                <a:solidFill>
+                  <a:srgbClr val="FF0000"/>
+                </a:solidFill>
+              </a:rPr>
+              <a:t>2</a:t>
+            </a:r>
+            <a:endParaRPr lang="zh-CN" altLang="en-US" sz="2400" b="1" dirty="0">
+              <a:solidFill>
+                <a:srgbClr val="FF0000"/>
+              </a:solidFill>
+            </a:endParaRPr>
+          </a:p>
+        </p:txBody>
+      </p:sp>
+      <p:sp>
+        <p:nvSpPr>
+          <p:cNvPr id="10" name="文本框 9">
+            <a:extLst>
+              <a:ext uri="{FF2B5EF4-FFF2-40B4-BE49-F238E27FC236}">
+                <a16:creationId xmlns:a16="http://schemas.microsoft.com/office/drawing/2014/main" id="{ADF20E0F-3798-4FEB-BB68-06AE2BB71C1E}"/>
+              </a:ext>
+            </a:extLst>
+          </p:cNvPr>
+          <p:cNvSpPr txBox="1"/>
+          <p:nvPr/>
+        </p:nvSpPr>
+        <p:spPr>
+          <a:xfrm>
+            <a:off x="7340146" y="4582193"/>
+            <a:ext cx="514905" cy="461665"/>
+          </a:xfrm>
+          <a:prstGeom prst="rect">
+            <a:avLst/>
+          </a:prstGeom>
+          <a:noFill/>
+        </p:spPr>
+        <p:txBody>
+          <a:bodyPr wrap="square" rtlCol="0">
+            <a:spAutoFit/>
+          </a:bodyPr>
+          <a:lstStyle/>
+          <a:p>
+            <a:r>
+              <a:rPr lang="en-US" altLang="zh-CN" sz="2400" b="1" dirty="0">
+                <a:solidFill>
+                  <a:srgbClr val="FF0000"/>
+                </a:solidFill>
+              </a:rPr>
+              <a:t>3</a:t>
+            </a:r>
+            <a:endParaRPr lang="zh-CN" altLang="en-US" sz="2400" b="1" dirty="0">
+              <a:solidFill>
+                <a:srgbClr val="FF0000"/>
+              </a:solidFill>
+            </a:endParaRPr>
+          </a:p>
+        </p:txBody>
+      </p:sp>
+      <p:sp>
+        <p:nvSpPr>
+          <p:cNvPr id="11" name="文本框 10">
+            <a:extLst>
+              <a:ext uri="{FF2B5EF4-FFF2-40B4-BE49-F238E27FC236}">
+                <a16:creationId xmlns:a16="http://schemas.microsoft.com/office/drawing/2014/main" id="{2BC30938-7057-42E6-A0B7-DE9077CBE236}"/>
+              </a:ext>
+            </a:extLst>
+          </p:cNvPr>
+          <p:cNvSpPr txBox="1"/>
+          <p:nvPr/>
+        </p:nvSpPr>
+        <p:spPr>
+          <a:xfrm>
+            <a:off x="8389191" y="3553862"/>
+            <a:ext cx="514905" cy="461665"/>
+          </a:xfrm>
+          <a:prstGeom prst="rect">
+            <a:avLst/>
+          </a:prstGeom>
+          <a:noFill/>
+        </p:spPr>
+        <p:txBody>
+          <a:bodyPr wrap="square" rtlCol="0">
+            <a:spAutoFit/>
+          </a:bodyPr>
+          <a:lstStyle/>
+          <a:p>
+            <a:r>
+              <a:rPr lang="en-US" altLang="zh-CN" sz="2400" b="1" dirty="0">
+                <a:solidFill>
+                  <a:srgbClr val="FF0000"/>
+                </a:solidFill>
+              </a:rPr>
+              <a:t>4</a:t>
+            </a:r>
+            <a:endParaRPr lang="zh-CN" altLang="en-US" sz="2400" b="1" dirty="0">
+              <a:solidFill>
+                <a:srgbClr val="FF0000"/>
+              </a:solidFill>
+            </a:endParaRPr>
+          </a:p>
+        </p:txBody>
+      </p:sp>
+      <p:sp>
+        <p:nvSpPr>
+          <p:cNvPr id="12" name="文本框 11">
+            <a:extLst>
+              <a:ext uri="{FF2B5EF4-FFF2-40B4-BE49-F238E27FC236}">
+                <a16:creationId xmlns:a16="http://schemas.microsoft.com/office/drawing/2014/main" id="{9E688322-92B2-4436-8971-9B49BCB1A897}"/>
+              </a:ext>
+            </a:extLst>
+          </p:cNvPr>
+          <p:cNvSpPr txBox="1"/>
+          <p:nvPr/>
+        </p:nvSpPr>
+        <p:spPr>
+          <a:xfrm>
+            <a:off x="8646643" y="3230281"/>
+            <a:ext cx="514905" cy="461665"/>
+          </a:xfrm>
+          <a:prstGeom prst="rect">
+            <a:avLst/>
+          </a:prstGeom>
+          <a:noFill/>
+        </p:spPr>
+        <p:txBody>
+          <a:bodyPr wrap="square" rtlCol="0">
+            <a:spAutoFit/>
+          </a:bodyPr>
+          <a:lstStyle/>
+          <a:p>
+            <a:r>
+              <a:rPr lang="en-US" altLang="zh-CN" sz="2400" b="1" dirty="0">
+                <a:solidFill>
+                  <a:srgbClr val="FF0000"/>
+                </a:solidFill>
+              </a:rPr>
+              <a:t>5</a:t>
+            </a:r>
+            <a:endParaRPr lang="zh-CN" altLang="en-US" sz="2400" b="1" dirty="0">
+              <a:solidFill>
+                <a:srgbClr val="FF0000"/>
+              </a:solidFill>
+            </a:endParaRPr>
+          </a:p>
+        </p:txBody>
+      </p:sp>
+      <p:sp>
+        <p:nvSpPr>
+          <p:cNvPr id="13" name="文本框 12">
+            <a:extLst>
+              <a:ext uri="{FF2B5EF4-FFF2-40B4-BE49-F238E27FC236}">
+                <a16:creationId xmlns:a16="http://schemas.microsoft.com/office/drawing/2014/main" id="{C5A72F17-3445-489A-9FB3-6100C1D0982A}"/>
+              </a:ext>
+            </a:extLst>
+          </p:cNvPr>
+          <p:cNvSpPr txBox="1"/>
+          <p:nvPr/>
+        </p:nvSpPr>
+        <p:spPr>
+          <a:xfrm>
+            <a:off x="8904095" y="2950678"/>
+            <a:ext cx="514905" cy="461665"/>
+          </a:xfrm>
+          <a:prstGeom prst="rect">
+            <a:avLst/>
+          </a:prstGeom>
+          <a:noFill/>
+        </p:spPr>
+        <p:txBody>
+          <a:bodyPr wrap="square" rtlCol="0">
+            <a:spAutoFit/>
+          </a:bodyPr>
+          <a:lstStyle/>
+          <a:p>
+            <a:r>
+              <a:rPr lang="en-US" altLang="zh-CN" sz="2400" b="1" dirty="0">
+                <a:solidFill>
+                  <a:srgbClr val="FF0000"/>
+                </a:solidFill>
+              </a:rPr>
+              <a:t>6</a:t>
+            </a:r>
+            <a:endParaRPr lang="zh-CN" altLang="en-US" sz="2400" b="1" dirty="0">
+              <a:solidFill>
+                <a:srgbClr val="FF0000"/>
+              </a:solidFill>
+            </a:endParaRPr>
+          </a:p>
+        </p:txBody>
+      </p:sp>
+      <p:sp>
+        <p:nvSpPr>
+          <p:cNvPr id="14" name="文本框 13">
+            <a:extLst>
+              <a:ext uri="{FF2B5EF4-FFF2-40B4-BE49-F238E27FC236}">
+                <a16:creationId xmlns:a16="http://schemas.microsoft.com/office/drawing/2014/main" id="{53644D3D-43D4-4C35-8C99-6673A354F681}"/>
+              </a:ext>
+            </a:extLst>
+          </p:cNvPr>
+          <p:cNvSpPr txBox="1"/>
+          <p:nvPr/>
+        </p:nvSpPr>
+        <p:spPr>
+          <a:xfrm>
+            <a:off x="9856495" y="2082643"/>
+            <a:ext cx="514905" cy="461665"/>
+          </a:xfrm>
+          <a:prstGeom prst="rect">
+            <a:avLst/>
+          </a:prstGeom>
+          <a:noFill/>
+        </p:spPr>
+        <p:txBody>
+          <a:bodyPr wrap="square" rtlCol="0">
+            <a:spAutoFit/>
+          </a:bodyPr>
+          <a:lstStyle/>
+          <a:p>
+            <a:r>
+              <a:rPr lang="en-US" altLang="zh-CN" sz="2400" b="1" dirty="0">
+                <a:solidFill>
+                  <a:srgbClr val="FF0000"/>
+                </a:solidFill>
+              </a:rPr>
+              <a:t>7</a:t>
+            </a:r>
+            <a:endParaRPr lang="zh-CN" altLang="en-US" sz="2400" b="1" dirty="0">
+              <a:solidFill>
+                <a:srgbClr val="FF0000"/>
+              </a:solidFill>
+            </a:endParaRPr>
+          </a:p>
+        </p:txBody>
+      </p:sp>
+      <p:sp>
+        <p:nvSpPr>
+          <p:cNvPr id="15" name="文本框 14">
+            <a:extLst>
+              <a:ext uri="{FF2B5EF4-FFF2-40B4-BE49-F238E27FC236}">
+                <a16:creationId xmlns:a16="http://schemas.microsoft.com/office/drawing/2014/main" id="{59447CD0-217D-46B8-9CD5-EB386B38463B}"/>
+              </a:ext>
+            </a:extLst>
+          </p:cNvPr>
+          <p:cNvSpPr txBox="1"/>
+          <p:nvPr/>
+        </p:nvSpPr>
+        <p:spPr>
+          <a:xfrm>
+            <a:off x="10158060" y="1769358"/>
+            <a:ext cx="514905" cy="461665"/>
+          </a:xfrm>
+          <a:prstGeom prst="rect">
+            <a:avLst/>
+          </a:prstGeom>
+          <a:noFill/>
+        </p:spPr>
+        <p:txBody>
+          <a:bodyPr wrap="square" rtlCol="0">
+            <a:spAutoFit/>
+          </a:bodyPr>
+          <a:lstStyle/>
+          <a:p>
+            <a:r>
+              <a:rPr lang="en-US" altLang="zh-CN" sz="2400" b="1" dirty="0">
+                <a:solidFill>
+                  <a:srgbClr val="FF0000"/>
+                </a:solidFill>
+              </a:rPr>
+              <a:t>8</a:t>
+            </a:r>
+            <a:endParaRPr lang="zh-CN" altLang="en-US" sz="2400" b="1" dirty="0">
+              <a:solidFill>
+                <a:srgbClr val="FF0000"/>
+              </a:solidFill>
+            </a:endParaRPr>
+          </a:p>
+        </p:txBody>
+      </p:sp>
+      <p:sp>
+        <p:nvSpPr>
+          <p:cNvPr id="16" name="文本框 15">
+            <a:extLst>
+              <a:ext uri="{FF2B5EF4-FFF2-40B4-BE49-F238E27FC236}">
+                <a16:creationId xmlns:a16="http://schemas.microsoft.com/office/drawing/2014/main" id="{312A48C4-2F94-4B70-8F46-963795FE3B19}"/>
+              </a:ext>
+            </a:extLst>
+          </p:cNvPr>
+          <p:cNvSpPr txBox="1"/>
+          <p:nvPr/>
+        </p:nvSpPr>
+        <p:spPr>
+          <a:xfrm>
+            <a:off x="10469633" y="1456073"/>
+            <a:ext cx="514905" cy="461665"/>
+          </a:xfrm>
+          <a:prstGeom prst="rect">
+            <a:avLst/>
+          </a:prstGeom>
+          <a:noFill/>
+        </p:spPr>
+        <p:txBody>
+          <a:bodyPr wrap="square" rtlCol="0">
+            <a:spAutoFit/>
+          </a:bodyPr>
+          <a:lstStyle/>
+          <a:p>
+            <a:r>
+              <a:rPr lang="en-US" altLang="zh-CN" sz="2400" b="1" dirty="0">
+                <a:solidFill>
+                  <a:srgbClr val="FF0000"/>
+                </a:solidFill>
+              </a:rPr>
+              <a:t>9</a:t>
+            </a:r>
+            <a:endParaRPr lang="zh-CN" altLang="en-US" sz="2400" b="1" dirty="0">
+              <a:solidFill>
+                <a:srgbClr val="FF0000"/>
+              </a:solidFill>
+            </a:endParaRPr>
+          </a:p>
+        </p:txBody>
+      </p:sp>
+      <p:sp>
+        <p:nvSpPr>
+          <p:cNvPr id="27" name="文本框 26">
+            <a:extLst>
+              <a:ext uri="{FF2B5EF4-FFF2-40B4-BE49-F238E27FC236}">
+                <a16:creationId xmlns:a16="http://schemas.microsoft.com/office/drawing/2014/main" id="{33645200-FD09-4B26-9EF4-5C91FE1306E8}"/>
+              </a:ext>
+            </a:extLst>
+          </p:cNvPr>
+          <p:cNvSpPr txBox="1"/>
+          <p:nvPr/>
+        </p:nvSpPr>
+        <p:spPr>
+          <a:xfrm>
+            <a:off x="7451226" y="5755659"/>
+            <a:ext cx="3018407" cy="369332"/>
+          </a:xfrm>
+          <a:prstGeom prst="rect">
+            <a:avLst/>
+          </a:prstGeom>
+          <a:noFill/>
+        </p:spPr>
+        <p:txBody>
+          <a:bodyPr wrap="square" rtlCol="0">
+            <a:spAutoFit/>
+          </a:bodyPr>
+          <a:lstStyle/>
+          <a:p>
+            <a:r>
+              <a:rPr lang="en-US" altLang="zh-CN" dirty="0"/>
+              <a:t>Start point</a:t>
+            </a:r>
+            <a:endParaRPr lang="zh-CN" altLang="en-US" dirty="0"/>
+          </a:p>
+        </p:txBody>
+      </p:sp>
+      <p:cxnSp>
+        <p:nvCxnSpPr>
+          <p:cNvPr id="29" name="直接箭头连接符 28">
+            <a:extLst>
+              <a:ext uri="{FF2B5EF4-FFF2-40B4-BE49-F238E27FC236}">
+                <a16:creationId xmlns:a16="http://schemas.microsoft.com/office/drawing/2014/main" id="{6C41AECE-4020-4376-A7AB-C57768EA0A27}"/>
+              </a:ext>
+            </a:extLst>
+          </p:cNvPr>
+          <p:cNvCxnSpPr/>
+          <p:nvPr/>
+        </p:nvCxnSpPr>
+        <p:spPr>
+          <a:xfrm flipH="1" flipV="1">
+            <a:off x="7406837" y="5533295"/>
+            <a:ext cx="213064" cy="222364"/>
+          </a:xfrm>
+          <a:prstGeom prst="straightConnector1">
+            <a:avLst/>
+          </a:prstGeom>
+          <a:ln>
+            <a:tailEnd type="triangle"/>
+          </a:ln>
+        </p:spPr>
+        <p:style>
+          <a:lnRef idx="1">
+            <a:schemeClr val="accent1"/>
+          </a:lnRef>
+          <a:fillRef idx="0">
+            <a:schemeClr val="accent1"/>
+          </a:fillRef>
+          <a:effectRef idx="0">
+            <a:schemeClr val="accent1"/>
+          </a:effectRef>
+          <a:fontRef idx="minor">
+            <a:schemeClr val="tx1"/>
+          </a:fontRef>
+        </p:style>
+      </p:cxnSp>
+      <p:sp>
+        <p:nvSpPr>
+          <p:cNvPr id="6" name="文本框 5">
+            <a:extLst>
+              <a:ext uri="{FF2B5EF4-FFF2-40B4-BE49-F238E27FC236}">
+                <a16:creationId xmlns:a16="http://schemas.microsoft.com/office/drawing/2014/main" id="{89DEEB4F-820B-4FDA-A047-73599445D753}"/>
+              </a:ext>
+            </a:extLst>
+          </p:cNvPr>
+          <p:cNvSpPr txBox="1"/>
+          <p:nvPr/>
+        </p:nvSpPr>
+        <p:spPr>
+          <a:xfrm>
+            <a:off x="624200" y="1215550"/>
+            <a:ext cx="4533359" cy="646331"/>
+          </a:xfrm>
+          <a:prstGeom prst="rect">
+            <a:avLst/>
+          </a:prstGeom>
+          <a:noFill/>
+        </p:spPr>
+        <p:txBody>
+          <a:bodyPr wrap="square" rtlCol="0">
+            <a:spAutoFit/>
+          </a:bodyPr>
+          <a:lstStyle/>
+          <a:p>
+            <a:r>
+              <a:rPr lang="en-US" altLang="zh-CN" dirty="0"/>
+              <a:t>Nearest Center Selection Algorithm:</a:t>
+            </a:r>
+            <a:endParaRPr lang="zh-CN" altLang="en-US" dirty="0"/>
+          </a:p>
+          <a:p>
+            <a:r>
+              <a:rPr lang="en-US" altLang="zh-CN" dirty="0"/>
+              <a:t> </a:t>
+            </a:r>
+            <a:endParaRPr lang="zh-CN" altLang="en-US" dirty="0"/>
+          </a:p>
+        </p:txBody>
+      </p:sp>
+      <p:sp>
+        <p:nvSpPr>
+          <p:cNvPr id="17" name="文本框 16">
+            <a:extLst>
+              <a:ext uri="{FF2B5EF4-FFF2-40B4-BE49-F238E27FC236}">
+                <a16:creationId xmlns:a16="http://schemas.microsoft.com/office/drawing/2014/main" id="{3EAF2837-B93B-429E-B401-96D3F1AE738D}"/>
+              </a:ext>
+            </a:extLst>
+          </p:cNvPr>
+          <p:cNvSpPr txBox="1"/>
+          <p:nvPr/>
+        </p:nvSpPr>
+        <p:spPr>
+          <a:xfrm>
+            <a:off x="6835595" y="1021437"/>
+            <a:ext cx="4533359" cy="646331"/>
+          </a:xfrm>
+          <a:prstGeom prst="rect">
+            <a:avLst/>
+          </a:prstGeom>
+          <a:noFill/>
+        </p:spPr>
+        <p:txBody>
+          <a:bodyPr wrap="square" rtlCol="0">
+            <a:spAutoFit/>
+          </a:bodyPr>
+          <a:lstStyle/>
+          <a:p>
+            <a:r>
+              <a:rPr lang="en-US" altLang="zh-CN" dirty="0"/>
+              <a:t>Random Center Selection Algorithm:</a:t>
+            </a:r>
+            <a:endParaRPr lang="zh-CN" altLang="en-US" dirty="0"/>
+          </a:p>
+          <a:p>
+            <a:r>
+              <a:rPr lang="en-US" altLang="zh-CN" dirty="0"/>
+              <a:t> </a:t>
+            </a:r>
+            <a:endParaRPr lang="zh-CN" altLang="en-US" dirty="0"/>
+          </a:p>
+        </p:txBody>
+      </p:sp>
+      <mc:AlternateContent xmlns:mc="http://schemas.openxmlformats.org/markup-compatibility/2006">
+        <mc:Choice xmlns:a14="http://schemas.microsoft.com/office/drawing/2010/main" Requires="a14">
+          <p:sp>
+            <p:nvSpPr>
+              <p:cNvPr id="18" name="文本框 17">
+                <a:extLst>
+                  <a:ext uri="{FF2B5EF4-FFF2-40B4-BE49-F238E27FC236}">
+                    <a16:creationId xmlns:a16="http://schemas.microsoft.com/office/drawing/2014/main" id="{00BAC5DE-679B-4D18-8ED0-F6E4445B63E9}"/>
+                  </a:ext>
+                </a:extLst>
+              </p:cNvPr>
+              <p:cNvSpPr txBox="1"/>
+              <p:nvPr/>
+            </p:nvSpPr>
+            <p:spPr>
+              <a:xfrm>
+                <a:off x="755611" y="6124991"/>
+                <a:ext cx="3909472" cy="408253"/>
+              </a:xfrm>
+              <a:prstGeom prst="rect">
+                <a:avLst/>
+              </a:prstGeom>
+              <a:noFill/>
+            </p:spPr>
+            <p:txBody>
+              <a:bodyPr wrap="square" rtlCol="0">
+                <a:spAutoFit/>
+              </a:bodyPr>
+              <a:lstStyle/>
+              <a:p>
+                <a:r>
+                  <a:rPr lang="en-US" altLang="zh-CN" b="1" dirty="0"/>
+                  <a:t>Totdistance = </a:t>
+                </a:r>
+                <a14:m>
+                  <m:oMath xmlns:m="http://schemas.openxmlformats.org/officeDocument/2006/math">
+                    <m:r>
+                      <a:rPr lang="en-US" altLang="zh-CN" b="1" i="1" smtClean="0">
+                        <a:latin typeface="Cambria Math" panose="02040503050406030204" pitchFamily="18" charset="0"/>
+                      </a:rPr>
+                      <m:t>𝟕</m:t>
+                    </m:r>
+                    <m:rad>
+                      <m:radPr>
+                        <m:degHide m:val="on"/>
+                        <m:ctrlPr>
+                          <a:rPr lang="en-US" altLang="zh-CN" b="1" i="1" smtClean="0">
+                            <a:latin typeface="Cambria Math" panose="02040503050406030204" pitchFamily="18" charset="0"/>
+                          </a:rPr>
+                        </m:ctrlPr>
+                      </m:radPr>
+                      <m:deg/>
+                      <m:e>
+                        <m:r>
+                          <a:rPr lang="en-US" altLang="zh-CN" b="1" i="1" smtClean="0">
+                            <a:latin typeface="Cambria Math" panose="02040503050406030204" pitchFamily="18" charset="0"/>
+                          </a:rPr>
+                          <m:t>𝟐</m:t>
+                        </m:r>
+                      </m:e>
+                    </m:rad>
+                  </m:oMath>
+                </a14:m>
+                <a:r>
+                  <a:rPr lang="en-US" altLang="zh-CN" b="1" dirty="0"/>
+                  <a:t> </a:t>
+                </a:r>
+                <a:endParaRPr lang="zh-CN" altLang="en-US" b="1" dirty="0"/>
+              </a:p>
+            </p:txBody>
+          </p:sp>
+        </mc:Choice>
+        <mc:Fallback>
+          <p:sp>
+            <p:nvSpPr>
+              <p:cNvPr id="18" name="文本框 17">
+                <a:extLst>
+                  <a:ext uri="{FF2B5EF4-FFF2-40B4-BE49-F238E27FC236}">
+                    <a16:creationId xmlns:a16="http://schemas.microsoft.com/office/drawing/2014/main" id="{00BAC5DE-679B-4D18-8ED0-F6E4445B63E9}"/>
+                  </a:ext>
+                </a:extLst>
+              </p:cNvPr>
+              <p:cNvSpPr txBox="1">
+                <a:spLocks noRot="1" noChangeAspect="1" noMove="1" noResize="1" noEditPoints="1" noAdjustHandles="1" noChangeArrowheads="1" noChangeShapeType="1" noTextEdit="1"/>
+              </p:cNvSpPr>
+              <p:nvPr/>
+            </p:nvSpPr>
+            <p:spPr>
+              <a:xfrm>
+                <a:off x="755611" y="6124991"/>
+                <a:ext cx="3909472" cy="408253"/>
+              </a:xfrm>
+              <a:prstGeom prst="rect">
+                <a:avLst/>
+              </a:prstGeom>
+              <a:blipFill>
+                <a:blip r:embed="rId4"/>
+                <a:stretch>
+                  <a:fillRect l="-1404" t="-1493" b="-20896"/>
+                </a:stretch>
+              </a:blipFill>
+            </p:spPr>
+            <p:txBody>
+              <a:bodyPr/>
+              <a:lstStyle/>
+              <a:p>
+                <a:r>
+                  <a:rPr lang="zh-CN" altLang="en-US">
+                    <a:noFill/>
+                  </a:rPr>
+                  <a:t> </a:t>
+                </a:r>
+              </a:p>
+            </p:txBody>
+          </p:sp>
+        </mc:Fallback>
+      </mc:AlternateContent>
+      <mc:AlternateContent xmlns:mc="http://schemas.openxmlformats.org/markup-compatibility/2006">
+        <mc:Choice xmlns:a14="http://schemas.microsoft.com/office/drawing/2010/main" Requires="a14">
+          <p:sp>
+            <p:nvSpPr>
+              <p:cNvPr id="77" name="文本框 76">
+                <a:extLst>
+                  <a:ext uri="{FF2B5EF4-FFF2-40B4-BE49-F238E27FC236}">
+                    <a16:creationId xmlns:a16="http://schemas.microsoft.com/office/drawing/2014/main" id="{D9ADA143-D7A6-4520-A0F0-A75057B22035}"/>
+                  </a:ext>
+                </a:extLst>
+              </p:cNvPr>
+              <p:cNvSpPr txBox="1"/>
+              <p:nvPr/>
+            </p:nvSpPr>
+            <p:spPr>
+              <a:xfrm>
+                <a:off x="7340146" y="6148949"/>
+                <a:ext cx="3909472" cy="408253"/>
+              </a:xfrm>
+              <a:prstGeom prst="rect">
+                <a:avLst/>
+              </a:prstGeom>
+              <a:noFill/>
+            </p:spPr>
+            <p:txBody>
+              <a:bodyPr wrap="square" rtlCol="0">
+                <a:spAutoFit/>
+              </a:bodyPr>
+              <a:lstStyle/>
+              <a:p>
+                <a:r>
+                  <a:rPr lang="en-US" altLang="zh-CN" b="1" dirty="0"/>
+                  <a:t>Totdistance = 8</a:t>
+                </a:r>
+                <a14:m>
+                  <m:oMath xmlns:m="http://schemas.openxmlformats.org/officeDocument/2006/math">
+                    <m:rad>
+                      <m:radPr>
+                        <m:degHide m:val="on"/>
+                        <m:ctrlPr>
+                          <a:rPr lang="en-US" altLang="zh-CN" b="1" i="1" smtClean="0">
+                            <a:latin typeface="Cambria Math" panose="02040503050406030204" pitchFamily="18" charset="0"/>
+                          </a:rPr>
+                        </m:ctrlPr>
+                      </m:radPr>
+                      <m:deg/>
+                      <m:e>
+                        <m:r>
+                          <a:rPr lang="en-US" altLang="zh-CN" b="1" i="1" smtClean="0">
+                            <a:latin typeface="Cambria Math" panose="02040503050406030204" pitchFamily="18" charset="0"/>
+                          </a:rPr>
+                          <m:t>𝟐</m:t>
+                        </m:r>
+                      </m:e>
+                    </m:rad>
+                  </m:oMath>
+                </a14:m>
+                <a:r>
+                  <a:rPr lang="en-US" altLang="zh-CN" b="1" dirty="0"/>
+                  <a:t> </a:t>
+                </a:r>
+                <a:endParaRPr lang="zh-CN" altLang="en-US" b="1" dirty="0"/>
+              </a:p>
+            </p:txBody>
+          </p:sp>
+        </mc:Choice>
+        <mc:Fallback>
+          <p:sp>
+            <p:nvSpPr>
+              <p:cNvPr id="77" name="文本框 76">
+                <a:extLst>
+                  <a:ext uri="{FF2B5EF4-FFF2-40B4-BE49-F238E27FC236}">
+                    <a16:creationId xmlns:a16="http://schemas.microsoft.com/office/drawing/2014/main" id="{D9ADA143-D7A6-4520-A0F0-A75057B22035}"/>
+                  </a:ext>
+                </a:extLst>
+              </p:cNvPr>
+              <p:cNvSpPr txBox="1">
+                <a:spLocks noRot="1" noChangeAspect="1" noMove="1" noResize="1" noEditPoints="1" noAdjustHandles="1" noChangeArrowheads="1" noChangeShapeType="1" noTextEdit="1"/>
+              </p:cNvSpPr>
+              <p:nvPr/>
+            </p:nvSpPr>
+            <p:spPr>
+              <a:xfrm>
+                <a:off x="7340146" y="6148949"/>
+                <a:ext cx="3909472" cy="408253"/>
+              </a:xfrm>
+              <a:prstGeom prst="rect">
+                <a:avLst/>
+              </a:prstGeom>
+              <a:blipFill>
+                <a:blip r:embed="rId5"/>
+                <a:stretch>
+                  <a:fillRect l="-1248" t="-1493" b="-20896"/>
+                </a:stretch>
+              </a:blipFill>
+            </p:spPr>
+            <p:txBody>
+              <a:bodyPr/>
+              <a:lstStyle/>
+              <a:p>
+                <a:r>
+                  <a:rPr lang="zh-CN" altLang="en-US">
+                    <a:noFill/>
+                  </a:rPr>
+                  <a:t> </a:t>
+                </a:r>
+              </a:p>
+            </p:txBody>
+          </p:sp>
+        </mc:Fallback>
+      </mc:AlternateContent>
+    </p:spTree>
+    <p:extLst>
+      <p:ext uri="{BB962C8B-B14F-4D97-AF65-F5344CB8AC3E}">
+        <p14:creationId xmlns:p14="http://schemas.microsoft.com/office/powerpoint/2010/main" val="2017340157"/>
+      </p:ext>
+    </p:extLst>
+  </p:cSld>
+  <p:clrMapOvr>
+    <a:masterClrMapping/>
+  </p:clrMapOvr>
+</p:sld>
+</file>
+
+<file path=ppt/slides/slide9.xml><?xml version="1.0" encoding="utf-8"?>
 <p:sld xmlns:a="http://schemas.openxmlformats.org/drawingml/2006/main" xmlns:r="http://schemas.openxmlformats.org/officeDocument/2006/relationships" xmlns:p="http://schemas.openxmlformats.org/presentationml/2006/main">
   <p:cSld>
     <p:spTree>

--- a/homework/HW4/Homework4_12032189_LiuYuxi.pptx
+++ b/homework/HW4/Homework4_12032189_LiuYuxi.pptx
@@ -4932,8 +4932,8 @@
           </a:p>
         </p:txBody>
       </p:sp>
-      <mc:AlternateContent xmlns:mc="http://schemas.openxmlformats.org/markup-compatibility/2006">
-        <mc:Choice xmlns:a14="http://schemas.microsoft.com/office/drawing/2010/main" Requires="a14">
+      <mc:AlternateContent xmlns:mc="http://schemas.openxmlformats.org/markup-compatibility/2006" xmlns:a14="http://schemas.microsoft.com/office/drawing/2010/main">
+        <mc:Choice Requires="a14">
           <p:sp>
             <p:nvSpPr>
               <p:cNvPr id="2" name="文本框 1">
@@ -5114,7 +5114,7 @@
             </p:txBody>
           </p:sp>
         </mc:Choice>
-        <mc:Fallback>
+        <mc:Fallback xmlns="">
           <p:sp>
             <p:nvSpPr>
               <p:cNvPr id="2" name="文本框 1">
@@ -5188,8 +5188,8 @@
           <a:lstStyle/>
           <a:p>
             <a:r>
-              <a:rPr lang="en-US" altLang="zh-CN" dirty="0"/>
-              <a:t>Optimal condition:</a:t>
+              <a:rPr lang="en-US" altLang="zh-CN"/>
+              <a:t>Center Selection Algorithm:</a:t>
             </a:r>
             <a:endParaRPr lang="zh-CN" altLang="en-US" dirty="0"/>
           </a:p>
@@ -5932,8 +5932,8 @@
           </a:p>
         </p:txBody>
       </p:sp>
-      <mc:AlternateContent xmlns:mc="http://schemas.openxmlformats.org/markup-compatibility/2006">
-        <mc:Choice xmlns:a14="http://schemas.microsoft.com/office/drawing/2010/main" Requires="a14">
+      <mc:AlternateContent xmlns:mc="http://schemas.openxmlformats.org/markup-compatibility/2006" xmlns:a14="http://schemas.microsoft.com/office/drawing/2010/main">
+        <mc:Choice Requires="a14">
           <p:graphicFrame>
             <p:nvGraphicFramePr>
               <p:cNvPr id="3" name="表格 4">
@@ -8300,7 +8300,7 @@
             </a:graphic>
           </p:graphicFrame>
         </mc:Choice>
-        <mc:Fallback>
+        <mc:Fallback xmlns="">
           <p:graphicFrame>
             <p:nvGraphicFramePr>
               <p:cNvPr id="3" name="表格 4">
@@ -11413,8 +11413,8 @@
           </a:p>
         </p:txBody>
       </p:sp>
-      <mc:AlternateContent xmlns:mc="http://schemas.openxmlformats.org/markup-compatibility/2006">
-        <mc:Choice xmlns:a14="http://schemas.microsoft.com/office/drawing/2010/main" Requires="a14">
+      <mc:AlternateContent xmlns:mc="http://schemas.openxmlformats.org/markup-compatibility/2006" xmlns:a14="http://schemas.microsoft.com/office/drawing/2010/main">
+        <mc:Choice Requires="a14">
           <p:sp>
             <p:nvSpPr>
               <p:cNvPr id="17" name="文本框 16">
@@ -11512,7 +11512,7 @@
             </p:txBody>
           </p:sp>
         </mc:Choice>
-        <mc:Fallback>
+        <mc:Fallback xmlns="">
           <p:sp>
             <p:nvSpPr>
               <p:cNvPr id="17" name="文本框 16">
@@ -12238,8 +12238,8 @@
           </a:p>
         </p:txBody>
       </p:sp>
-      <mc:AlternateContent xmlns:mc="http://schemas.openxmlformats.org/markup-compatibility/2006">
-        <mc:Choice xmlns:a14="http://schemas.microsoft.com/office/drawing/2010/main" Requires="a14">
+      <mc:AlternateContent xmlns:mc="http://schemas.openxmlformats.org/markup-compatibility/2006" xmlns:a14="http://schemas.microsoft.com/office/drawing/2010/main">
+        <mc:Choice Requires="a14">
           <p:sp>
             <p:nvSpPr>
               <p:cNvPr id="18" name="文本框 17">
@@ -12310,7 +12310,7 @@
             </p:txBody>
           </p:sp>
         </mc:Choice>
-        <mc:Fallback>
+        <mc:Fallback xmlns="">
           <p:sp>
             <p:nvSpPr>
               <p:cNvPr id="18" name="文本框 17">
@@ -12355,8 +12355,8 @@
           </p:sp>
         </mc:Fallback>
       </mc:AlternateContent>
-      <mc:AlternateContent xmlns:mc="http://schemas.openxmlformats.org/markup-compatibility/2006">
-        <mc:Choice xmlns:a14="http://schemas.microsoft.com/office/drawing/2010/main" Requires="a14">
+      <mc:AlternateContent xmlns:mc="http://schemas.openxmlformats.org/markup-compatibility/2006" xmlns:a14="http://schemas.microsoft.com/office/drawing/2010/main">
+        <mc:Choice Requires="a14">
           <p:sp>
             <p:nvSpPr>
               <p:cNvPr id="77" name="文本框 76">
@@ -12421,7 +12421,7 @@
             </p:txBody>
           </p:sp>
         </mc:Choice>
-        <mc:Fallback>
+        <mc:Fallback xmlns="">
           <p:sp>
             <p:nvSpPr>
               <p:cNvPr id="77" name="文本框 76">
